--- a/study/240125/기획발표_17시03분_수정_지연 [자동 저장].pptx
+++ b/study/240125/기획발표_17시03분_수정_지연 [자동 저장].pptx
@@ -16,15 +16,15 @@
     <p:sldId id="266" r:id="rId7"/>
     <p:sldId id="279" r:id="rId8"/>
     <p:sldId id="281" r:id="rId9"/>
-    <p:sldId id="268" r:id="rId10"/>
-    <p:sldId id="278" r:id="rId11"/>
-    <p:sldId id="264" r:id="rId12"/>
-    <p:sldId id="282" r:id="rId13"/>
-    <p:sldId id="271" r:id="rId14"/>
-    <p:sldId id="272" r:id="rId15"/>
-    <p:sldId id="274" r:id="rId16"/>
-    <p:sldId id="273" r:id="rId17"/>
-    <p:sldId id="265" r:id="rId18"/>
+    <p:sldId id="265" r:id="rId10"/>
+    <p:sldId id="268" r:id="rId11"/>
+    <p:sldId id="278" r:id="rId12"/>
+    <p:sldId id="264" r:id="rId13"/>
+    <p:sldId id="282" r:id="rId14"/>
+    <p:sldId id="271" r:id="rId15"/>
+    <p:sldId id="272" r:id="rId16"/>
+    <p:sldId id="274" r:id="rId17"/>
+    <p:sldId id="273" r:id="rId18"/>
     <p:sldId id="276" r:id="rId19"/>
     <p:sldId id="277" r:id="rId20"/>
     <p:sldId id="280" r:id="rId21"/>
@@ -756,7 +756,6 @@
     </c:plotArea>
     <c:plotVisOnly val="1"/>
     <c:dispBlanksAs val="gap"/>
-    <c:showDLblsOverMax val="0"/>
     <c:extLst>
       <c:ext xmlns:c16r3="http://schemas.microsoft.com/office/drawing/2017/03/chart" uri="{56B9EC1D-385E-4148-901F-78D8002777C0}">
         <c16r3:dataDisplayOptions16>
@@ -764,6 +763,7 @@
         </c16r3:dataDisplayOptions16>
       </c:ext>
     </c:extLst>
+    <c:showDLblsOverMax val="0"/>
   </c:chart>
   <c:spPr>
     <a:noFill/>
@@ -822,7 +822,7 @@
               </a:defRPr>
             </a:pPr>
             <a:r>
-              <a:rPr lang="ko-KR" altLang="en-US" sz="5000" baseline="0" dirty="0" smtClean="0">
+              <a:rPr lang="ko-KR" altLang="en-US" sz="5000" baseline="0" dirty="0">
                 <a:solidFill>
                   <a:schemeClr val="bg1"/>
                 </a:solidFill>
@@ -830,7 +830,7 @@
               <a:t>낚시 정보를 얻기 위해 </a:t>
             </a:r>
             <a:r>
-              <a:rPr lang="ko-KR" altLang="en-US" sz="5000" u="sng" baseline="0" dirty="0" smtClean="0">
+              <a:rPr lang="ko-KR" altLang="en-US" sz="5000" u="sng" baseline="0" dirty="0">
                 <a:solidFill>
                   <a:schemeClr val="bg1"/>
                 </a:solidFill>
@@ -838,7 +838,7 @@
               <a:t>불편함</a:t>
             </a:r>
             <a:r>
-              <a:rPr lang="ko-KR" altLang="en-US" sz="5000" baseline="0" dirty="0" smtClean="0">
+              <a:rPr lang="ko-KR" altLang="en-US" sz="5000" baseline="0" dirty="0">
                 <a:solidFill>
                   <a:schemeClr val="bg1"/>
                 </a:solidFill>
@@ -1000,9 +1000,7 @@
               <c:showPercent val="1"/>
               <c:showBubbleSize val="0"/>
               <c:extLst>
-                <c:ext xmlns:c15="http://schemas.microsoft.com/office/drawing/2012/chart" uri="{CE6537A1-D6FC-4f65-9D91-7224C49458BB}">
-                  <c15:layout/>
-                </c:ext>
+                <c:ext xmlns:c15="http://schemas.microsoft.com/office/drawing/2012/chart" uri="{CE6537A1-D6FC-4f65-9D91-7224C49458BB}"/>
                 <c:ext xmlns:c16="http://schemas.microsoft.com/office/drawing/2014/chart" uri="{C3380CC4-5D6E-409C-BE32-E72D297353CC}">
                   <c16:uniqueId val="{00000001-1B0D-4FCB-9B31-A4D42F023426}"/>
                 </c:ext>
@@ -1175,7 +1173,6 @@
     </c:plotArea>
     <c:plotVisOnly val="1"/>
     <c:dispBlanksAs val="gap"/>
-    <c:showDLblsOverMax val="0"/>
     <c:extLst>
       <c:ext xmlns:c16r3="http://schemas.microsoft.com/office/drawing/2017/03/chart" uri="{56B9EC1D-385E-4148-901F-78D8002777C0}">
         <c16r3:dataDisplayOptions16>
@@ -1183,6 +1180,7 @@
         </c16r3:dataDisplayOptions16>
       </c:ext>
     </c:extLst>
+    <c:showDLblsOverMax val="0"/>
   </c:chart>
   <c:spPr>
     <a:noFill/>
@@ -1241,7 +1239,7 @@
               </a:defRPr>
             </a:pPr>
             <a:r>
-              <a:rPr lang="en-US" altLang="ko-KR" sz="4400" baseline="0" dirty="0" smtClean="0">
+              <a:rPr lang="en-US" altLang="ko-KR" sz="4400" baseline="0" dirty="0">
                 <a:solidFill>
                   <a:srgbClr val="EBFAFF"/>
                 </a:solidFill>
@@ -1249,7 +1247,7 @@
               <a:t>[#</a:t>
             </a:r>
             <a:r>
-              <a:rPr lang="ko-KR" altLang="en-US" sz="4400" baseline="0" dirty="0" err="1" smtClean="0">
+              <a:rPr lang="ko-KR" altLang="en-US" sz="4400" baseline="0" dirty="0" err="1">
                 <a:solidFill>
                   <a:srgbClr val="EBFAFF"/>
                 </a:solidFill>
@@ -1257,7 +1255,7 @@
               <a:t>사진찍기좋은바다</a:t>
             </a:r>
             <a:r>
-              <a:rPr lang="en-US" altLang="ko-KR" sz="4400" baseline="0" dirty="0" smtClean="0">
+              <a:rPr lang="en-US" altLang="ko-KR" sz="4400" baseline="0" dirty="0">
                 <a:solidFill>
                   <a:srgbClr val="EBFAFF"/>
                 </a:solidFill>
@@ -1265,7 +1263,7 @@
               <a:t>]</a:t>
             </a:r>
             <a:r>
-              <a:rPr lang="ko-KR" altLang="en-US" sz="5000" baseline="0" dirty="0" smtClean="0">
+              <a:rPr lang="ko-KR" altLang="en-US" sz="5000" baseline="0" dirty="0">
                 <a:solidFill>
                   <a:schemeClr val="bg1"/>
                 </a:solidFill>
@@ -1273,7 +1271,7 @@
               <a:t>처럼 </a:t>
             </a:r>
             <a:r>
-              <a:rPr lang="ko-KR" altLang="en-US" sz="5000" u="sng" baseline="0" dirty="0" smtClean="0">
+              <a:rPr lang="ko-KR" altLang="en-US" sz="5000" u="sng" baseline="0" dirty="0">
                 <a:solidFill>
                   <a:schemeClr val="bg1"/>
                 </a:solidFill>
@@ -1281,7 +1279,7 @@
               <a:t>키워드</a:t>
             </a:r>
             <a:r>
-              <a:rPr lang="ko-KR" altLang="en-US" sz="5000" baseline="0" dirty="0" smtClean="0">
+              <a:rPr lang="ko-KR" altLang="en-US" sz="5000" baseline="0" dirty="0">
                 <a:solidFill>
                   <a:schemeClr val="bg1"/>
                 </a:solidFill>
@@ -1289,7 +1287,7 @@
               <a:t>로 낚시터 </a:t>
             </a:r>
             <a:r>
-              <a:rPr lang="ko-KR" altLang="en-US" sz="5000" u="sng" baseline="0" dirty="0" smtClean="0">
+              <a:rPr lang="ko-KR" altLang="en-US" sz="5000" u="sng" baseline="0" dirty="0">
                 <a:solidFill>
                   <a:schemeClr val="bg1"/>
                 </a:solidFill>
@@ -1297,7 +1295,7 @@
               <a:t>추천</a:t>
             </a:r>
             <a:r>
-              <a:rPr lang="ko-KR" altLang="en-US" sz="5000" baseline="0" dirty="0" smtClean="0">
+              <a:rPr lang="ko-KR" altLang="en-US" sz="5000" baseline="0" dirty="0">
                 <a:solidFill>
                   <a:schemeClr val="bg1"/>
                 </a:solidFill>
@@ -1459,9 +1457,7 @@
               <c:showPercent val="1"/>
               <c:showBubbleSize val="0"/>
               <c:extLst>
-                <c:ext xmlns:c15="http://schemas.microsoft.com/office/drawing/2012/chart" uri="{CE6537A1-D6FC-4f65-9D91-7224C49458BB}">
-                  <c15:layout/>
-                </c:ext>
+                <c:ext xmlns:c15="http://schemas.microsoft.com/office/drawing/2012/chart" uri="{CE6537A1-D6FC-4f65-9D91-7224C49458BB}"/>
                 <c:ext xmlns:c16="http://schemas.microsoft.com/office/drawing/2014/chart" uri="{C3380CC4-5D6E-409C-BE32-E72D297353CC}">
                   <c16:uniqueId val="{00000001-1B0D-4FCB-9B31-A4D42F023426}"/>
                 </c:ext>
@@ -1634,7 +1630,6 @@
     </c:plotArea>
     <c:plotVisOnly val="1"/>
     <c:dispBlanksAs val="gap"/>
-    <c:showDLblsOverMax val="0"/>
     <c:extLst>
       <c:ext xmlns:c16r3="http://schemas.microsoft.com/office/drawing/2017/03/chart" uri="{56B9EC1D-385E-4148-901F-78D8002777C0}">
         <c16r3:dataDisplayOptions16>
@@ -1642,6 +1637,7 @@
         </c16r3:dataDisplayOptions16>
       </c:ext>
     </c:extLst>
+    <c:showDLblsOverMax val="0"/>
   </c:chart>
   <c:spPr>
     <a:noFill/>
@@ -3740,35 +3736,35 @@
           <a:lstStyle/>
           <a:p>
             <a:r>
-              <a:rPr lang="ko-KR" altLang="en-US" dirty="0" smtClean="0"/>
+              <a:rPr lang="ko-KR" altLang="en-US" dirty="0"/>
               <a:t>반갑습니다</a:t>
             </a:r>
             <a:r>
-              <a:rPr lang="en-US" altLang="ko-KR" dirty="0" smtClean="0"/>
+              <a:rPr lang="en-US" altLang="ko-KR" dirty="0"/>
               <a:t>!</a:t>
             </a:r>
             <a:r>
-              <a:rPr lang="en-US" altLang="ko-KR" baseline="0" dirty="0" smtClean="0"/>
+              <a:rPr lang="en-US" altLang="ko-KR" baseline="0" dirty="0"/>
               <a:t> “</a:t>
             </a:r>
             <a:r>
-              <a:rPr lang="ko-KR" altLang="en-US" baseline="0" dirty="0" smtClean="0"/>
+              <a:rPr lang="ko-KR" altLang="en-US" baseline="0" dirty="0"/>
               <a:t>오늘은 </a:t>
             </a:r>
             <a:r>
-              <a:rPr lang="ko-KR" altLang="en-US" baseline="0" dirty="0" err="1" smtClean="0"/>
+              <a:rPr lang="ko-KR" altLang="en-US" baseline="0" dirty="0" err="1"/>
               <a:t>낚시왕</a:t>
             </a:r>
             <a:r>
-              <a:rPr lang="en-US" altLang="ko-KR" baseline="0" dirty="0" smtClean="0"/>
+              <a:rPr lang="en-US" altLang="ko-KR" baseline="0" dirty="0"/>
               <a:t>”</a:t>
             </a:r>
             <a:r>
-              <a:rPr lang="ko-KR" altLang="en-US" baseline="0" dirty="0" smtClean="0"/>
+              <a:rPr lang="ko-KR" altLang="en-US" baseline="0" dirty="0"/>
               <a:t> 기획 발표자 김민준입니다</a:t>
             </a:r>
             <a:r>
-              <a:rPr lang="en-US" altLang="ko-KR" baseline="0" dirty="0" smtClean="0"/>
+              <a:rPr lang="en-US" altLang="ko-KR" baseline="0" dirty="0"/>
               <a:t>.</a:t>
             </a:r>
           </a:p>
@@ -3854,7 +3850,121 @@
           <a:bodyPr/>
           <a:lstStyle/>
           <a:p>
-            <a:endParaRPr lang="en-US" altLang="ko-KR" dirty="0" smtClean="0"/>
+            <a:r>
+              <a:rPr lang="ko-KR" altLang="en-US" dirty="0"/>
+              <a:t>낚시에 입문하고자 하는 </a:t>
+            </a:r>
+            <a:r>
+              <a:rPr lang="en-US" altLang="ko-KR" dirty="0"/>
+              <a:t>MZ</a:t>
+            </a:r>
+            <a:r>
+              <a:rPr lang="ko-KR" altLang="en-US" dirty="0"/>
+              <a:t>세대 맞춤 초보자용 낚시 서비스 </a:t>
+            </a:r>
+            <a:r>
+              <a:rPr lang="en-US" altLang="ko-KR" dirty="0"/>
+              <a:t>“</a:t>
+            </a:r>
+            <a:r>
+              <a:rPr lang="ko-KR" altLang="en-US" dirty="0"/>
+              <a:t>오늘은 </a:t>
+            </a:r>
+            <a:r>
+              <a:rPr lang="ko-KR" altLang="en-US" dirty="0" err="1"/>
+              <a:t>낚시왕</a:t>
+            </a:r>
+            <a:r>
+              <a:rPr lang="en-US" altLang="ko-KR" dirty="0"/>
+              <a:t>＂</a:t>
+            </a:r>
+            <a:r>
+              <a:rPr lang="ko-KR" altLang="en-US" dirty="0"/>
+              <a:t>을</a:t>
+            </a:r>
+            <a:r>
+              <a:rPr lang="ko-KR" altLang="en-US" baseline="0" dirty="0"/>
+              <a:t> 기획하게 되었습니다</a:t>
+            </a:r>
+            <a:r>
+              <a:rPr lang="en-US" altLang="ko-KR" baseline="0" dirty="0"/>
+              <a:t>.</a:t>
+            </a:r>
+          </a:p>
+          <a:p>
+            <a:pPr marL="0" marR="0" indent="0" algn="l" defTabSz="914400" rtl="0" eaLnBrk="1" fontAlgn="auto" latinLnBrk="1" hangingPunct="1">
+              <a:lnSpc>
+                <a:spcPct val="100000"/>
+              </a:lnSpc>
+              <a:spcBef>
+                <a:spcPts val="0"/>
+              </a:spcBef>
+              <a:spcAft>
+                <a:spcPts val="0"/>
+              </a:spcAft>
+              <a:buClrTx/>
+              <a:buSzTx/>
+              <a:buFontTx/>
+              <a:buNone/>
+              <a:tabLst/>
+              <a:defRPr/>
+            </a:pPr>
+            <a:r>
+              <a:rPr lang="ko-KR" altLang="en-US" dirty="0"/>
+              <a:t>그런데 말입니다</a:t>
+            </a:r>
+            <a:r>
+              <a:rPr lang="en-US" altLang="ko-KR" dirty="0"/>
+              <a:t>. </a:t>
+            </a:r>
+            <a:r>
+              <a:rPr lang="ko-KR" altLang="en-US" dirty="0"/>
+              <a:t>설문조사나 인터넷 </a:t>
+            </a:r>
+            <a:r>
+              <a:rPr lang="ko-KR" altLang="en-US" dirty="0" err="1"/>
+              <a:t>서치로는</a:t>
+            </a:r>
+            <a:r>
+              <a:rPr lang="ko-KR" altLang="en-US" dirty="0"/>
+              <a:t> 느끼지 못하는 것들이 많죠</a:t>
+            </a:r>
+            <a:r>
+              <a:rPr lang="en-US" altLang="ko-KR" dirty="0"/>
+              <a:t>. </a:t>
+            </a:r>
+            <a:r>
+              <a:rPr lang="ko-KR" altLang="en-US" dirty="0"/>
+              <a:t>낚시를 경험해 보지 못했던 저희는 낚시를 직접 느껴보고자 목포로</a:t>
+            </a:r>
+            <a:r>
+              <a:rPr lang="en-US" altLang="ko-KR" dirty="0"/>
+              <a:t>,</a:t>
+            </a:r>
+            <a:r>
+              <a:rPr lang="ko-KR" altLang="en-US" dirty="0"/>
+              <a:t> 떠났습니다</a:t>
+            </a:r>
+            <a:r>
+              <a:rPr lang="en-US" altLang="ko-KR" dirty="0"/>
+              <a:t>! </a:t>
+            </a:r>
+            <a:r>
+              <a:rPr lang="ko-KR" altLang="en-US" dirty="0"/>
+              <a:t>영상</a:t>
+            </a:r>
+            <a:r>
+              <a:rPr lang="en-US" altLang="ko-KR" dirty="0"/>
+              <a:t> </a:t>
+            </a:r>
+            <a:r>
+              <a:rPr lang="ko-KR" altLang="en-US" dirty="0"/>
+              <a:t>보겠습니다</a:t>
+            </a:r>
+            <a:r>
+              <a:rPr lang="en-US" altLang="ko-KR" dirty="0"/>
+              <a:t>.</a:t>
+            </a:r>
           </a:p>
         </p:txBody>
       </p:sp>
@@ -3884,7 +3994,7 @@
     </p:spTree>
     <p:extLst>
       <p:ext uri="{BB962C8B-B14F-4D97-AF65-F5344CB8AC3E}">
-        <p14:creationId xmlns:p14="http://schemas.microsoft.com/office/powerpoint/2010/main" val="2248042731"/>
+        <p14:creationId xmlns:p14="http://schemas.microsoft.com/office/powerpoint/2010/main" val="3058480816"/>
       </p:ext>
     </p:extLst>
   </p:cSld>
@@ -3938,15 +4048,7 @@
           <a:bodyPr/>
           <a:lstStyle/>
           <a:p>
-            <a:r>
-              <a:rPr lang="ko-KR" altLang="en-US" dirty="0" smtClean="0"/>
-              <a:t>서비스를 소개해 드리겠습니다</a:t>
-            </a:r>
-            <a:r>
-              <a:rPr lang="en-US" altLang="ko-KR" dirty="0" smtClean="0"/>
-              <a:t>.</a:t>
-            </a:r>
-            <a:endParaRPr lang="ko-KR" altLang="en-US" dirty="0"/>
+            <a:endParaRPr lang="en-US" altLang="ko-KR" dirty="0"/>
           </a:p>
         </p:txBody>
       </p:sp>
@@ -3976,7 +4078,7 @@
     </p:spTree>
     <p:extLst>
       <p:ext uri="{BB962C8B-B14F-4D97-AF65-F5344CB8AC3E}">
-        <p14:creationId xmlns:p14="http://schemas.microsoft.com/office/powerpoint/2010/main" val="1791444492"/>
+        <p14:creationId xmlns:p14="http://schemas.microsoft.com/office/powerpoint/2010/main" val="2248042731"/>
       </p:ext>
     </p:extLst>
   </p:cSld>
@@ -4031,17 +4133,22 @@
           <a:lstStyle/>
           <a:p>
             <a:r>
-              <a:rPr lang="ko-KR" altLang="en-US" dirty="0" smtClean="0"/>
-              <a:t>저희 </a:t>
-            </a:r>
-            <a:r>
-              <a:rPr lang="ko-KR" altLang="en-US" dirty="0" err="1" smtClean="0"/>
-              <a:t>아키텍쳐입니다</a:t>
-            </a:r>
-            <a:r>
-              <a:rPr lang="en-US" altLang="ko-KR" dirty="0" smtClean="0"/>
+              <a:rPr lang="ko-KR" altLang="en-US" dirty="0"/>
+              <a:t>오늘의 </a:t>
+            </a:r>
+            <a:r>
+              <a:rPr lang="ko-KR" altLang="en-US" dirty="0" err="1"/>
+              <a:t>낚시왕</a:t>
+            </a:r>
+            <a:r>
+              <a:rPr lang="ko-KR" altLang="en-US" dirty="0"/>
+              <a:t> 서비스를 소개해 드리겠습니다</a:t>
+            </a:r>
+            <a:r>
+              <a:rPr lang="en-US" altLang="ko-KR" dirty="0"/>
               <a:t>.</a:t>
             </a:r>
+            <a:endParaRPr lang="ko-KR" altLang="en-US" dirty="0"/>
           </a:p>
         </p:txBody>
       </p:sp>
@@ -4071,7 +4178,7 @@
     </p:spTree>
     <p:extLst>
       <p:ext uri="{BB962C8B-B14F-4D97-AF65-F5344CB8AC3E}">
-        <p14:creationId xmlns:p14="http://schemas.microsoft.com/office/powerpoint/2010/main" val="2014913616"/>
+        <p14:creationId xmlns:p14="http://schemas.microsoft.com/office/powerpoint/2010/main" val="1791444492"/>
       </p:ext>
     </p:extLst>
   </p:cSld>
@@ -4125,7 +4232,18 @@
           <a:bodyPr/>
           <a:lstStyle/>
           <a:p>
-            <a:endParaRPr lang="ko-KR" altLang="en-US" dirty="0"/>
+            <a:r>
+              <a:rPr lang="ko-KR" altLang="en-US" dirty="0"/>
+              <a:t>저희 </a:t>
+            </a:r>
+            <a:r>
+              <a:rPr lang="ko-KR" altLang="en-US" dirty="0" err="1"/>
+              <a:t>아키텍쳐입니다</a:t>
+            </a:r>
+            <a:r>
+              <a:rPr lang="en-US" altLang="ko-KR" dirty="0"/>
+              <a:t>.</a:t>
+            </a:r>
           </a:p>
         </p:txBody>
       </p:sp>
@@ -4155,7 +4273,7 @@
     </p:spTree>
     <p:extLst>
       <p:ext uri="{BB962C8B-B14F-4D97-AF65-F5344CB8AC3E}">
-        <p14:creationId xmlns:p14="http://schemas.microsoft.com/office/powerpoint/2010/main" val="3933348892"/>
+        <p14:creationId xmlns:p14="http://schemas.microsoft.com/office/powerpoint/2010/main" val="2014913616"/>
       </p:ext>
     </p:extLst>
   </p:cSld>
@@ -4209,7 +4327,487 @@
           <a:bodyPr/>
           <a:lstStyle/>
           <a:p>
-            <a:endParaRPr lang="ko-KR" altLang="en-US" dirty="0"/>
+            <a:r>
+              <a:rPr lang="ko-KR" altLang="en-US" dirty="0"/>
+              <a:t>다음으로 서비스 흐름도 함께 보시겠습니다</a:t>
+            </a:r>
+            <a:r>
+              <a:rPr lang="en-US" altLang="ko-KR" dirty="0"/>
+              <a:t>.</a:t>
+            </a:r>
+          </a:p>
+          <a:p>
+            <a:endParaRPr lang="en-US" altLang="ko-KR" dirty="0"/>
+          </a:p>
+          <a:p>
+            <a:pPr marL="0" marR="0" lvl="0" indent="0" algn="l" defTabSz="914400" rtl="0" eaLnBrk="1" fontAlgn="auto" latinLnBrk="1" hangingPunct="1">
+              <a:lnSpc>
+                <a:spcPct val="100000"/>
+              </a:lnSpc>
+              <a:spcBef>
+                <a:spcPts val="0"/>
+              </a:spcBef>
+              <a:spcAft>
+                <a:spcPts val="0"/>
+              </a:spcAft>
+              <a:buClrTx/>
+              <a:buSzTx/>
+              <a:buFontTx/>
+              <a:buNone/>
+              <a:tabLst/>
+              <a:defRPr/>
+            </a:pPr>
+            <a:r>
+              <a:rPr lang="ko-KR" altLang="en-US" dirty="0"/>
+              <a:t>자 여러분 모두 가장 친한 친구분과 함께 낚시를 간다라고 상상을 같이 해보겠습니다</a:t>
+            </a:r>
+            <a:r>
+              <a:rPr lang="en-US" altLang="ko-KR" dirty="0"/>
+              <a:t>.</a:t>
+            </a:r>
+          </a:p>
+          <a:p>
+            <a:pPr marL="0" marR="0" lvl="0" indent="0" algn="l" defTabSz="914400" rtl="0" eaLnBrk="1" fontAlgn="auto" latinLnBrk="1" hangingPunct="1">
+              <a:lnSpc>
+                <a:spcPct val="100000"/>
+              </a:lnSpc>
+              <a:spcBef>
+                <a:spcPts val="0"/>
+              </a:spcBef>
+              <a:spcAft>
+                <a:spcPts val="0"/>
+              </a:spcAft>
+              <a:buClrTx/>
+              <a:buSzTx/>
+              <a:buFontTx/>
+              <a:buNone/>
+              <a:tabLst/>
+              <a:defRPr/>
+            </a:pPr>
+            <a:endParaRPr lang="en-US" altLang="ko-KR" dirty="0"/>
+          </a:p>
+          <a:p>
+            <a:pPr marL="0" marR="0" lvl="0" indent="0" algn="l" defTabSz="914400" rtl="0" eaLnBrk="1" fontAlgn="auto" latinLnBrk="1" hangingPunct="1">
+              <a:lnSpc>
+                <a:spcPct val="100000"/>
+              </a:lnSpc>
+              <a:spcBef>
+                <a:spcPts val="0"/>
+              </a:spcBef>
+              <a:spcAft>
+                <a:spcPts val="0"/>
+              </a:spcAft>
+              <a:buClrTx/>
+              <a:buSzTx/>
+              <a:buFontTx/>
+              <a:buNone/>
+              <a:tabLst/>
+              <a:defRPr/>
+            </a:pPr>
+            <a:r>
+              <a:rPr lang="ko-KR" altLang="en-US" dirty="0"/>
+              <a:t>우선 어디서 낚시를 할 지 주변 낚시터를 검색을 하게 됩니다</a:t>
+            </a:r>
+            <a:r>
+              <a:rPr lang="en-US" altLang="ko-KR" dirty="0"/>
+              <a:t>.</a:t>
+            </a:r>
+          </a:p>
+          <a:p>
+            <a:pPr marL="0" marR="0" lvl="0" indent="0" algn="l" defTabSz="914400" rtl="0" eaLnBrk="1" fontAlgn="auto" latinLnBrk="1" hangingPunct="1">
+              <a:lnSpc>
+                <a:spcPct val="100000"/>
+              </a:lnSpc>
+              <a:spcBef>
+                <a:spcPts val="0"/>
+              </a:spcBef>
+              <a:spcAft>
+                <a:spcPts val="0"/>
+              </a:spcAft>
+              <a:buClrTx/>
+              <a:buSzTx/>
+              <a:buFontTx/>
+              <a:buNone/>
+              <a:tabLst/>
+              <a:defRPr/>
+            </a:pPr>
+            <a:r>
+              <a:rPr lang="ko-KR" altLang="en-US" dirty="0"/>
+              <a:t>낚시터를 검색할 때 마주치는 준비물들도 함께 검색을 하게 되겠죠</a:t>
+            </a:r>
+            <a:r>
+              <a:rPr lang="en-US" altLang="ko-KR" dirty="0"/>
+              <a:t>?</a:t>
+            </a:r>
+          </a:p>
+          <a:p>
+            <a:pPr marL="0" marR="0" lvl="0" indent="0" algn="l" defTabSz="914400" rtl="0" eaLnBrk="1" fontAlgn="auto" latinLnBrk="1" hangingPunct="1">
+              <a:lnSpc>
+                <a:spcPct val="100000"/>
+              </a:lnSpc>
+              <a:spcBef>
+                <a:spcPts val="0"/>
+              </a:spcBef>
+              <a:spcAft>
+                <a:spcPts val="0"/>
+              </a:spcAft>
+              <a:buClrTx/>
+              <a:buSzTx/>
+              <a:buFontTx/>
+              <a:buNone/>
+              <a:tabLst/>
+              <a:defRPr/>
+            </a:pPr>
+            <a:endParaRPr lang="en-US" altLang="ko-KR" dirty="0"/>
+          </a:p>
+          <a:p>
+            <a:pPr marL="0" marR="0" lvl="0" indent="0" algn="l" defTabSz="914400" rtl="0" eaLnBrk="1" fontAlgn="auto" latinLnBrk="1" hangingPunct="1">
+              <a:lnSpc>
+                <a:spcPct val="100000"/>
+              </a:lnSpc>
+              <a:spcBef>
+                <a:spcPts val="0"/>
+              </a:spcBef>
+              <a:spcAft>
+                <a:spcPts val="0"/>
+              </a:spcAft>
+              <a:buClrTx/>
+              <a:buSzTx/>
+              <a:buFontTx/>
+              <a:buNone/>
+              <a:tabLst/>
+              <a:defRPr/>
+            </a:pPr>
+            <a:r>
+              <a:rPr lang="ko-KR" altLang="en-US" dirty="0"/>
+              <a:t>낚시 </a:t>
+            </a:r>
+            <a:r>
+              <a:rPr lang="ko-KR" altLang="en-US" dirty="0" err="1"/>
+              <a:t>스팟을</a:t>
+            </a:r>
+            <a:r>
+              <a:rPr lang="ko-KR" altLang="en-US" dirty="0"/>
+              <a:t> 결정했다면</a:t>
+            </a:r>
+            <a:r>
+              <a:rPr lang="en-US" altLang="ko-KR" dirty="0"/>
+              <a:t>, </a:t>
+            </a:r>
+            <a:r>
+              <a:rPr lang="ko-KR" altLang="en-US" dirty="0"/>
+              <a:t>준비를 해봅시다</a:t>
+            </a:r>
+            <a:r>
+              <a:rPr lang="en-US" altLang="ko-KR" dirty="0"/>
+              <a:t>.</a:t>
+            </a:r>
+          </a:p>
+          <a:p>
+            <a:pPr marL="0" marR="0" lvl="0" indent="0" algn="l" defTabSz="914400" rtl="0" eaLnBrk="1" fontAlgn="auto" latinLnBrk="1" hangingPunct="1">
+              <a:lnSpc>
+                <a:spcPct val="100000"/>
+              </a:lnSpc>
+              <a:spcBef>
+                <a:spcPts val="0"/>
+              </a:spcBef>
+              <a:spcAft>
+                <a:spcPts val="0"/>
+              </a:spcAft>
+              <a:buClrTx/>
+              <a:buSzTx/>
+              <a:buFontTx/>
+              <a:buNone/>
+              <a:tabLst/>
+              <a:defRPr/>
+            </a:pPr>
+            <a:r>
+              <a:rPr lang="ko-KR" altLang="en-US" dirty="0"/>
+              <a:t>일단 낚시 일정을 캘린더에 기입을 하게 됩니다</a:t>
+            </a:r>
+            <a:r>
+              <a:rPr lang="en-US" altLang="ko-KR" dirty="0"/>
+              <a:t>.</a:t>
+            </a:r>
+          </a:p>
+          <a:p>
+            <a:pPr marL="0" marR="0" lvl="0" indent="0" algn="l" defTabSz="914400" rtl="0" eaLnBrk="1" fontAlgn="auto" latinLnBrk="1" hangingPunct="1">
+              <a:lnSpc>
+                <a:spcPct val="100000"/>
+              </a:lnSpc>
+              <a:spcBef>
+                <a:spcPts val="0"/>
+              </a:spcBef>
+              <a:spcAft>
+                <a:spcPts val="0"/>
+              </a:spcAft>
+              <a:buClrTx/>
+              <a:buSzTx/>
+              <a:buFontTx/>
+              <a:buNone/>
+              <a:tabLst/>
+              <a:defRPr/>
+            </a:pPr>
+            <a:r>
+              <a:rPr lang="ko-KR" altLang="en-US" dirty="0"/>
+              <a:t>그곳의 밀물 썰물 시간을 함께 </a:t>
+            </a:r>
+            <a:r>
+              <a:rPr lang="ko-KR" altLang="en-US" dirty="0" err="1"/>
+              <a:t>알아두면</a:t>
+            </a:r>
+            <a:r>
+              <a:rPr lang="ko-KR" altLang="en-US" dirty="0"/>
+              <a:t> 좋겠죠</a:t>
+            </a:r>
+            <a:r>
+              <a:rPr lang="en-US" altLang="ko-KR" dirty="0"/>
+              <a:t>?</a:t>
+            </a:r>
+          </a:p>
+          <a:p>
+            <a:pPr marL="0" marR="0" lvl="0" indent="0" algn="l" defTabSz="914400" rtl="0" eaLnBrk="1" fontAlgn="auto" latinLnBrk="1" hangingPunct="1">
+              <a:lnSpc>
+                <a:spcPct val="100000"/>
+              </a:lnSpc>
+              <a:spcBef>
+                <a:spcPts val="0"/>
+              </a:spcBef>
+              <a:spcAft>
+                <a:spcPts val="0"/>
+              </a:spcAft>
+              <a:buClrTx/>
+              <a:buSzTx/>
+              <a:buFontTx/>
+              <a:buNone/>
+              <a:tabLst/>
+              <a:defRPr/>
+            </a:pPr>
+            <a:r>
+              <a:rPr lang="ko-KR" altLang="en-US" dirty="0"/>
+              <a:t>가장 중요한 비가 오냐 </a:t>
+            </a:r>
+            <a:r>
+              <a:rPr lang="ko-KR" altLang="en-US" dirty="0" err="1"/>
+              <a:t>안오냐에</a:t>
+            </a:r>
+            <a:r>
+              <a:rPr lang="ko-KR" altLang="en-US" dirty="0"/>
+              <a:t> 대한 날씨도 함께 찾아볼 수 있습니다</a:t>
+            </a:r>
+            <a:r>
+              <a:rPr lang="en-US" altLang="ko-KR" dirty="0"/>
+              <a:t>.</a:t>
+            </a:r>
+          </a:p>
+          <a:p>
+            <a:pPr marL="0" marR="0" lvl="0" indent="0" algn="l" defTabSz="914400" rtl="0" eaLnBrk="1" fontAlgn="auto" latinLnBrk="1" hangingPunct="1">
+              <a:lnSpc>
+                <a:spcPct val="100000"/>
+              </a:lnSpc>
+              <a:spcBef>
+                <a:spcPts val="0"/>
+              </a:spcBef>
+              <a:spcAft>
+                <a:spcPts val="0"/>
+              </a:spcAft>
+              <a:buClrTx/>
+              <a:buSzTx/>
+              <a:buFontTx/>
+              <a:buNone/>
+              <a:tabLst/>
+              <a:defRPr/>
+            </a:pPr>
+            <a:endParaRPr lang="en-US" altLang="ko-KR" dirty="0"/>
+          </a:p>
+          <a:p>
+            <a:pPr marL="0" marR="0" lvl="0" indent="0" algn="l" defTabSz="914400" rtl="0" eaLnBrk="1" fontAlgn="auto" latinLnBrk="1" hangingPunct="1">
+              <a:lnSpc>
+                <a:spcPct val="100000"/>
+              </a:lnSpc>
+              <a:spcBef>
+                <a:spcPts val="0"/>
+              </a:spcBef>
+              <a:spcAft>
+                <a:spcPts val="0"/>
+              </a:spcAft>
+              <a:buClrTx/>
+              <a:buSzTx/>
+              <a:buFontTx/>
+              <a:buNone/>
+              <a:tabLst/>
+              <a:defRPr/>
+            </a:pPr>
+            <a:r>
+              <a:rPr lang="ko-KR" altLang="en-US" dirty="0"/>
+              <a:t>낚시를 하기 위한 튜토리얼이 함께 여러분을 낚시에 세계로 안내하겠습니다</a:t>
+            </a:r>
+            <a:r>
+              <a:rPr lang="en-US" altLang="ko-KR" dirty="0"/>
+              <a:t>.</a:t>
+            </a:r>
+          </a:p>
+          <a:p>
+            <a:pPr marL="0" marR="0" lvl="0" indent="0" algn="l" defTabSz="914400" rtl="0" eaLnBrk="1" fontAlgn="auto" latinLnBrk="1" hangingPunct="1">
+              <a:lnSpc>
+                <a:spcPct val="100000"/>
+              </a:lnSpc>
+              <a:spcBef>
+                <a:spcPts val="0"/>
+              </a:spcBef>
+              <a:spcAft>
+                <a:spcPts val="0"/>
+              </a:spcAft>
+              <a:buClrTx/>
+              <a:buSzTx/>
+              <a:buFontTx/>
+              <a:buNone/>
+              <a:tabLst/>
+              <a:defRPr/>
+            </a:pPr>
+            <a:endParaRPr lang="en-US" altLang="ko-KR" dirty="0"/>
+          </a:p>
+          <a:p>
+            <a:pPr marL="0" marR="0" lvl="0" indent="0" algn="l" defTabSz="914400" rtl="0" eaLnBrk="1" fontAlgn="auto" latinLnBrk="1" hangingPunct="1">
+              <a:lnSpc>
+                <a:spcPct val="100000"/>
+              </a:lnSpc>
+              <a:spcBef>
+                <a:spcPts val="0"/>
+              </a:spcBef>
+              <a:spcAft>
+                <a:spcPts val="0"/>
+              </a:spcAft>
+              <a:buClrTx/>
+              <a:buSzTx/>
+              <a:buFontTx/>
+              <a:buNone/>
+              <a:tabLst/>
+              <a:defRPr/>
+            </a:pPr>
+            <a:r>
+              <a:rPr lang="ko-KR" altLang="en-US" dirty="0"/>
+              <a:t>낚시는 기다림이라고 하죠</a:t>
+            </a:r>
+            <a:r>
+              <a:rPr lang="en-US" altLang="ko-KR" dirty="0"/>
+              <a:t>? </a:t>
+            </a:r>
+            <a:r>
+              <a:rPr lang="ko-KR" altLang="en-US" dirty="0"/>
+              <a:t>라이브 방송을 이용한 낚시 라이브 함께 시청도 하며</a:t>
+            </a:r>
+            <a:r>
+              <a:rPr lang="en-US" altLang="ko-KR" dirty="0"/>
+              <a:t>, </a:t>
+            </a:r>
+            <a:r>
+              <a:rPr lang="ko-KR" altLang="en-US" dirty="0"/>
+              <a:t>즐길 것입니다</a:t>
+            </a:r>
+            <a:r>
+              <a:rPr lang="en-US" altLang="ko-KR" dirty="0"/>
+              <a:t>.</a:t>
+            </a:r>
+          </a:p>
+          <a:p>
+            <a:pPr marL="0" marR="0" lvl="0" indent="0" algn="l" defTabSz="914400" rtl="0" eaLnBrk="1" fontAlgn="auto" latinLnBrk="1" hangingPunct="1">
+              <a:lnSpc>
+                <a:spcPct val="100000"/>
+              </a:lnSpc>
+              <a:spcBef>
+                <a:spcPts val="0"/>
+              </a:spcBef>
+              <a:spcAft>
+                <a:spcPts val="0"/>
+              </a:spcAft>
+              <a:buClrTx/>
+              <a:buSzTx/>
+              <a:buFontTx/>
+              <a:buNone/>
+              <a:tabLst/>
+              <a:defRPr/>
+            </a:pPr>
+            <a:endParaRPr lang="en-US" altLang="ko-KR" dirty="0"/>
+          </a:p>
+          <a:p>
+            <a:pPr marL="0" marR="0" lvl="0" indent="0" algn="l" defTabSz="914400" rtl="0" eaLnBrk="1" fontAlgn="auto" latinLnBrk="1" hangingPunct="1">
+              <a:lnSpc>
+                <a:spcPct val="100000"/>
+              </a:lnSpc>
+              <a:spcBef>
+                <a:spcPts val="0"/>
+              </a:spcBef>
+              <a:spcAft>
+                <a:spcPts val="0"/>
+              </a:spcAft>
+              <a:buClrTx/>
+              <a:buSzTx/>
+              <a:buFontTx/>
+              <a:buNone/>
+              <a:tabLst/>
+              <a:defRPr/>
+            </a:pPr>
+            <a:r>
+              <a:rPr lang="ko-KR" altLang="en-US" dirty="0"/>
+              <a:t>어</a:t>
+            </a:r>
+            <a:r>
+              <a:rPr lang="en-US" altLang="ko-KR" dirty="0"/>
+              <a:t>? </a:t>
+            </a:r>
+            <a:r>
+              <a:rPr lang="ko-KR" altLang="en-US" dirty="0"/>
+              <a:t>뭐가 잡혔어요</a:t>
+            </a:r>
+            <a:r>
+              <a:rPr lang="en-US" altLang="ko-KR" dirty="0"/>
+              <a:t>!! </a:t>
+            </a:r>
+            <a:r>
+              <a:rPr lang="ko-KR" altLang="en-US" dirty="0"/>
+              <a:t>근데</a:t>
+            </a:r>
+            <a:r>
+              <a:rPr lang="en-US" altLang="ko-KR" dirty="0"/>
+              <a:t>.. </a:t>
+            </a:r>
+            <a:r>
+              <a:rPr lang="ko-KR" altLang="en-US" dirty="0"/>
+              <a:t>이건 무슨 생선이죠</a:t>
+            </a:r>
+            <a:r>
+              <a:rPr lang="en-US" altLang="ko-KR" dirty="0"/>
+              <a:t>? </a:t>
+            </a:r>
+            <a:r>
+              <a:rPr lang="ko-KR" altLang="en-US" dirty="0"/>
+              <a:t>그럴 때 어종 인식을 통해 내가 잡은 고기가 어떤 고기인지 알 수 있습니다</a:t>
+            </a:r>
+            <a:r>
+              <a:rPr lang="en-US" altLang="ko-KR" dirty="0"/>
+              <a:t>.</a:t>
+            </a:r>
+          </a:p>
+          <a:p>
+            <a:pPr marL="0" marR="0" lvl="0" indent="0" algn="l" defTabSz="914400" rtl="0" eaLnBrk="1" fontAlgn="auto" latinLnBrk="1" hangingPunct="1">
+              <a:lnSpc>
+                <a:spcPct val="100000"/>
+              </a:lnSpc>
+              <a:spcBef>
+                <a:spcPts val="0"/>
+              </a:spcBef>
+              <a:spcAft>
+                <a:spcPts val="0"/>
+              </a:spcAft>
+              <a:buClrTx/>
+              <a:buSzTx/>
+              <a:buFontTx/>
+              <a:buNone/>
+              <a:tabLst/>
+              <a:defRPr/>
+            </a:pPr>
+            <a:endParaRPr lang="en-US" altLang="ko-KR" dirty="0"/>
           </a:p>
         </p:txBody>
       </p:sp>
@@ -4239,7 +4837,7 @@
     </p:spTree>
     <p:extLst>
       <p:ext uri="{BB962C8B-B14F-4D97-AF65-F5344CB8AC3E}">
-        <p14:creationId xmlns:p14="http://schemas.microsoft.com/office/powerpoint/2010/main" val="21591687"/>
+        <p14:creationId xmlns:p14="http://schemas.microsoft.com/office/powerpoint/2010/main" val="3933348892"/>
       </p:ext>
     </p:extLst>
   </p:cSld>
@@ -4293,6 +4891,56 @@
           <a:bodyPr/>
           <a:lstStyle/>
           <a:p>
+            <a:r>
+              <a:rPr lang="ko-KR" altLang="en-US" dirty="0"/>
+              <a:t>다음으로 서비스 흐름도 중 핵심 기능 몇가지만 설명하겠습니다</a:t>
+            </a:r>
+            <a:r>
+              <a:rPr lang="en-US" altLang="ko-KR" dirty="0"/>
+              <a:t>.</a:t>
+            </a:r>
+          </a:p>
+          <a:p>
+            <a:endParaRPr lang="en-US" altLang="ko-KR" dirty="0"/>
+          </a:p>
+          <a:p>
+            <a:r>
+              <a:rPr lang="ko-KR" altLang="en-US" dirty="0"/>
+              <a:t>주변 낚시터 검색을 통해 내 주변에 있는 낚시터</a:t>
+            </a:r>
+            <a:r>
+              <a:rPr lang="en-US" altLang="ko-KR" dirty="0"/>
+              <a:t>, </a:t>
+            </a:r>
+            <a:r>
+              <a:rPr lang="ko-KR" altLang="en-US" dirty="0"/>
+              <a:t>특정 고기가 잡히는 낚시터 등 필터를 통해 원하는 낚시터를 검색할 수 있습니다</a:t>
+            </a:r>
+            <a:r>
+              <a:rPr lang="en-US" altLang="ko-KR" dirty="0"/>
+              <a:t>.</a:t>
+            </a:r>
+          </a:p>
+          <a:p>
+            <a:endParaRPr lang="en-US" altLang="ko-KR" dirty="0"/>
+          </a:p>
+          <a:p>
+            <a:r>
+              <a:rPr lang="ko-KR" altLang="en-US" dirty="0"/>
+              <a:t>데이터는 국가기관 소속인 공공 </a:t>
+            </a:r>
+            <a:r>
+              <a:rPr lang="ko-KR" altLang="en-US" dirty="0" err="1"/>
+              <a:t>데이터포털에서</a:t>
+            </a:r>
+            <a:r>
+              <a:rPr lang="ko-KR" altLang="en-US" dirty="0"/>
+              <a:t> 참고하였습니다</a:t>
+            </a:r>
+            <a:r>
+              <a:rPr lang="en-US" altLang="ko-KR" dirty="0"/>
+              <a:t>.</a:t>
+            </a:r>
             <a:endParaRPr lang="ko-KR" altLang="en-US" dirty="0"/>
           </a:p>
         </p:txBody>
@@ -4323,7 +4971,7 @@
     </p:spTree>
     <p:extLst>
       <p:ext uri="{BB962C8B-B14F-4D97-AF65-F5344CB8AC3E}">
-        <p14:creationId xmlns:p14="http://schemas.microsoft.com/office/powerpoint/2010/main" val="3342092415"/>
+        <p14:creationId xmlns:p14="http://schemas.microsoft.com/office/powerpoint/2010/main" val="21591687"/>
       </p:ext>
     </p:extLst>
   </p:cSld>
@@ -4377,6 +5025,34 @@
           <a:bodyPr/>
           <a:lstStyle/>
           <a:p>
+            <a:r>
+              <a:rPr lang="ko-KR" altLang="en-US" dirty="0" err="1"/>
+              <a:t>낚시라이브는</a:t>
+            </a:r>
+            <a:r>
+              <a:rPr lang="ko-KR" altLang="en-US" dirty="0"/>
+              <a:t> </a:t>
+            </a:r>
+            <a:r>
+              <a:rPr lang="en-US" altLang="ko-KR" dirty="0" err="1"/>
+              <a:t>webRTC</a:t>
+            </a:r>
+            <a:r>
+              <a:rPr lang="en-US" altLang="ko-KR" dirty="0"/>
+              <a:t>, </a:t>
+            </a:r>
+            <a:r>
+              <a:rPr lang="ko-KR" altLang="en-US" dirty="0" err="1"/>
+              <a:t>쿠렌토를</a:t>
+            </a:r>
+            <a:r>
+              <a:rPr lang="ko-KR" altLang="en-US" dirty="0"/>
+              <a:t> 이용하여 라이브방송을 구현 하려고 합니다</a:t>
+            </a:r>
+            <a:r>
+              <a:rPr lang="en-US" altLang="ko-KR" dirty="0"/>
+              <a:t>.</a:t>
+            </a:r>
             <a:endParaRPr lang="ko-KR" altLang="en-US" dirty="0"/>
           </a:p>
         </p:txBody>
@@ -4407,7 +5083,7 @@
     </p:spTree>
     <p:extLst>
       <p:ext uri="{BB962C8B-B14F-4D97-AF65-F5344CB8AC3E}">
-        <p14:creationId xmlns:p14="http://schemas.microsoft.com/office/powerpoint/2010/main" val="346119113"/>
+        <p14:creationId xmlns:p14="http://schemas.microsoft.com/office/powerpoint/2010/main" val="3342092415"/>
       </p:ext>
     </p:extLst>
   </p:cSld>
@@ -4462,136 +5138,27 @@
           <a:lstStyle/>
           <a:p>
             <a:r>
-              <a:rPr lang="ko-KR" altLang="en-US" dirty="0" smtClean="0"/>
-              <a:t>기존</a:t>
-            </a:r>
-            <a:r>
-              <a:rPr lang="ko-KR" altLang="en-US" baseline="0" dirty="0" smtClean="0"/>
-              <a:t> 낚시 도움 서비스들</a:t>
-            </a:r>
-            <a:r>
-              <a:rPr lang="en-US" altLang="ko-KR" baseline="0" dirty="0" smtClean="0"/>
+              <a:rPr lang="ko-KR" altLang="en-US" dirty="0"/>
+              <a:t>초보자인 내가 잡아버린 생선이 무엇인지 모를 때</a:t>
+            </a:r>
+            <a:r>
+              <a:rPr lang="en-US" altLang="ko-KR" dirty="0"/>
               <a:t>, </a:t>
             </a:r>
             <a:r>
-              <a:rPr lang="ko-KR" altLang="en-US" baseline="0" dirty="0" smtClean="0"/>
-              <a:t>즉</a:t>
-            </a:r>
-            <a:r>
-              <a:rPr lang="en-US" altLang="ko-KR" baseline="0" dirty="0" smtClean="0"/>
-              <a:t>, </a:t>
-            </a:r>
-            <a:r>
-              <a:rPr lang="ko-KR" altLang="en-US" baseline="0" dirty="0" smtClean="0"/>
-              <a:t>경쟁사들을 알아보겠습니다</a:t>
-            </a:r>
-            <a:r>
-              <a:rPr lang="en-US" altLang="ko-KR" baseline="0" dirty="0" smtClean="0"/>
+              <a:rPr lang="ko-KR" altLang="en-US" dirty="0"/>
+              <a:t>이 카메라를 켜보세요</a:t>
+            </a:r>
+            <a:r>
+              <a:rPr lang="en-US" altLang="ko-KR" dirty="0"/>
               <a:t>. </a:t>
             </a:r>
-          </a:p>
-          <a:p>
-            <a:r>
-              <a:rPr lang="ko-KR" altLang="en-US" baseline="0" dirty="0" smtClean="0"/>
-              <a:t>기존 서비스들은 대부분 낚시를 꽤 오래하신 분들</a:t>
-            </a:r>
-            <a:r>
-              <a:rPr lang="en-US" altLang="ko-KR" baseline="0" dirty="0" smtClean="0"/>
-              <a:t>, </a:t>
-            </a:r>
-            <a:r>
-              <a:rPr lang="ko-KR" altLang="en-US" baseline="0" dirty="0" smtClean="0"/>
-              <a:t>또는 물고기를 보면 아</a:t>
-            </a:r>
-            <a:r>
-              <a:rPr lang="en-US" altLang="ko-KR" baseline="0" dirty="0" smtClean="0"/>
-              <a:t>, </a:t>
-            </a:r>
-            <a:r>
-              <a:rPr lang="ko-KR" altLang="en-US" baseline="0" dirty="0" smtClean="0"/>
-              <a:t>얘는 </a:t>
-            </a:r>
-            <a:r>
-              <a:rPr lang="ko-KR" altLang="en-US" baseline="0" dirty="0" err="1" smtClean="0"/>
-              <a:t>무슨생선이야</a:t>
-            </a:r>
-            <a:r>
-              <a:rPr lang="en-US" altLang="ko-KR" baseline="0" dirty="0" smtClean="0"/>
-              <a:t>. </a:t>
-            </a:r>
-            <a:r>
-              <a:rPr lang="ko-KR" altLang="en-US" baseline="0" dirty="0" smtClean="0"/>
-              <a:t>라고 </a:t>
-            </a:r>
-            <a:r>
-              <a:rPr lang="ko-KR" altLang="en-US" baseline="0" dirty="0" err="1" smtClean="0"/>
-              <a:t>아실만한</a:t>
-            </a:r>
-            <a:r>
-              <a:rPr lang="ko-KR" altLang="en-US" baseline="0" dirty="0" smtClean="0"/>
-              <a:t> 분들을 위주로 서비스를 진행해 오고 있습니다</a:t>
-            </a:r>
-            <a:r>
-              <a:rPr lang="en-US" altLang="ko-KR" baseline="0" dirty="0" smtClean="0"/>
-              <a:t>.</a:t>
-            </a:r>
-          </a:p>
-          <a:p>
-            <a:r>
-              <a:rPr lang="ko-KR" altLang="en-US" baseline="0" dirty="0" smtClean="0"/>
-              <a:t>그로 인해 </a:t>
-            </a:r>
-            <a:r>
-              <a:rPr lang="ko-KR" altLang="en-US" baseline="0" dirty="0" err="1" smtClean="0"/>
-              <a:t>입문자</a:t>
-            </a:r>
-            <a:r>
-              <a:rPr lang="en-US" altLang="ko-KR" baseline="0" dirty="0" smtClean="0"/>
-              <a:t>, </a:t>
-            </a:r>
-            <a:r>
-              <a:rPr lang="ko-KR" altLang="en-US" baseline="0" dirty="0" smtClean="0"/>
-              <a:t>초보자들은 이해하기 어려운 용어가 많고</a:t>
-            </a:r>
-            <a:r>
-              <a:rPr lang="en-US" altLang="ko-KR" baseline="0" dirty="0" smtClean="0"/>
-              <a:t>, </a:t>
-            </a:r>
-            <a:r>
-              <a:rPr lang="ko-KR" altLang="en-US" baseline="0" dirty="0" smtClean="0"/>
-              <a:t>초보자들을 위한 컨텐츠는 찾기 힘들었습니다</a:t>
-            </a:r>
-            <a:r>
-              <a:rPr lang="en-US" altLang="ko-KR" baseline="0" dirty="0" smtClean="0"/>
-              <a:t>.</a:t>
-            </a:r>
-          </a:p>
-          <a:p>
-            <a:endParaRPr lang="en-US" altLang="ko-KR" baseline="0" dirty="0" smtClean="0"/>
-          </a:p>
-          <a:p>
-            <a:r>
-              <a:rPr lang="ko-KR" altLang="en-US" baseline="0" dirty="0" smtClean="0"/>
-              <a:t>저희는 입문자분들을 대상으로 친화적으로</a:t>
-            </a:r>
-            <a:r>
-              <a:rPr lang="en-US" altLang="ko-KR" baseline="0" dirty="0" smtClean="0"/>
-              <a:t>, </a:t>
-            </a:r>
-            <a:r>
-              <a:rPr lang="ko-KR" altLang="en-US" baseline="0" dirty="0" smtClean="0"/>
-              <a:t>그리고</a:t>
-            </a:r>
-            <a:r>
-              <a:rPr lang="en-US" altLang="ko-KR" baseline="0" dirty="0" smtClean="0"/>
-              <a:t>, </a:t>
-            </a:r>
-            <a:r>
-              <a:rPr lang="ko-KR" altLang="en-US" baseline="0" dirty="0" smtClean="0"/>
-              <a:t>정보전달을 위주로 서비스를 진행하였습니다</a:t>
-            </a:r>
-            <a:r>
-              <a:rPr lang="en-US" altLang="ko-KR" baseline="0" dirty="0" smtClean="0"/>
+            <a:r>
+              <a:rPr lang="ko-KR" altLang="en-US" dirty="0"/>
+              <a:t>데이터로 학습시킨 인공지능이 어떤 생선인지 알려드리겠습니다</a:t>
+            </a:r>
+            <a:r>
+              <a:rPr lang="en-US" altLang="ko-KR" dirty="0"/>
               <a:t>.</a:t>
             </a:r>
             <a:endParaRPr lang="ko-KR" altLang="en-US" dirty="0"/>
@@ -4624,7 +5191,7 @@
     </p:spTree>
     <p:extLst>
       <p:ext uri="{BB962C8B-B14F-4D97-AF65-F5344CB8AC3E}">
-        <p14:creationId xmlns:p14="http://schemas.microsoft.com/office/powerpoint/2010/main" val="2232528817"/>
+        <p14:creationId xmlns:p14="http://schemas.microsoft.com/office/powerpoint/2010/main" val="346119113"/>
       </p:ext>
     </p:extLst>
   </p:cSld>
@@ -4678,7 +5245,14 @@
           <a:bodyPr/>
           <a:lstStyle/>
           <a:p>
-            <a:endParaRPr lang="ko-KR" altLang="en-US" dirty="0"/>
+            <a:r>
+              <a:rPr lang="ko-KR" altLang="en-US" dirty="0"/>
+              <a:t>다음은 기대효과 입니다</a:t>
+            </a:r>
+            <a:r>
+              <a:rPr lang="en-US" altLang="ko-KR" dirty="0"/>
+              <a:t>.</a:t>
+            </a:r>
           </a:p>
         </p:txBody>
       </p:sp>
@@ -4762,7 +5336,220 @@
           <a:bodyPr/>
           <a:lstStyle/>
           <a:p>
-            <a:endParaRPr lang="ko-KR" altLang="en-US" dirty="0"/>
+            <a:r>
+              <a:rPr lang="ko-KR" altLang="en-US" dirty="0"/>
+              <a:t>낚시는 대부분 도시외곽에서 진행이 많이 됩니다</a:t>
+            </a:r>
+            <a:r>
+              <a:rPr lang="en-US" altLang="ko-KR" dirty="0"/>
+              <a:t>. </a:t>
+            </a:r>
+            <a:r>
+              <a:rPr lang="ko-KR" altLang="en-US" dirty="0"/>
+              <a:t>바다가 있기 때문이죠</a:t>
+            </a:r>
+            <a:r>
+              <a:rPr lang="en-US" altLang="ko-KR" dirty="0"/>
+              <a:t>.</a:t>
+            </a:r>
+          </a:p>
+          <a:p>
+            <a:r>
+              <a:rPr lang="ko-KR" altLang="en-US" dirty="0"/>
+              <a:t>낚시를 하려는 </a:t>
+            </a:r>
+            <a:r>
+              <a:rPr lang="en-US" altLang="ko-KR" dirty="0"/>
+              <a:t>MZ</a:t>
+            </a:r>
+            <a:r>
+              <a:rPr lang="ko-KR" altLang="en-US" dirty="0"/>
+              <a:t>세대의 이동은 지역 경제를 활성화 시켜줍니다</a:t>
+            </a:r>
+            <a:r>
+              <a:rPr lang="en-US" altLang="ko-KR" dirty="0"/>
+              <a:t>.</a:t>
+            </a:r>
+          </a:p>
+          <a:p>
+            <a:endParaRPr lang="en-US" altLang="ko-KR" dirty="0"/>
+          </a:p>
+          <a:p>
+            <a:r>
+              <a:rPr lang="ko-KR" altLang="en-US" dirty="0"/>
+              <a:t>다음은 건전한 낚시문화를 만드는 </a:t>
+            </a:r>
+            <a:r>
+              <a:rPr lang="ko-KR" altLang="en-US" b="0" i="0" dirty="0">
+                <a:solidFill>
+                  <a:srgbClr val="202124"/>
+                </a:solidFill>
+                <a:effectLst/>
+                <a:latin typeface="Apple SD Gothic Neo"/>
+              </a:rPr>
+              <a:t>매개체가 됩니다</a:t>
+            </a:r>
+            <a:r>
+              <a:rPr lang="en-US" altLang="ko-KR" b="0" i="0" dirty="0">
+                <a:solidFill>
+                  <a:srgbClr val="202124"/>
+                </a:solidFill>
+                <a:effectLst/>
+                <a:latin typeface="Apple SD Gothic Neo"/>
+              </a:rPr>
+              <a:t>. </a:t>
+            </a:r>
+            <a:r>
+              <a:rPr lang="ko-KR" altLang="en-US" b="0" i="0" dirty="0">
+                <a:solidFill>
+                  <a:srgbClr val="202124"/>
+                </a:solidFill>
+                <a:effectLst/>
+                <a:latin typeface="Apple SD Gothic Neo"/>
+              </a:rPr>
+              <a:t>저희 서비스는 초보자들에게도 </a:t>
+            </a:r>
+            <a:r>
+              <a:rPr lang="ko-KR" altLang="en-US" b="0" i="0" dirty="0" err="1">
+                <a:solidFill>
+                  <a:srgbClr val="202124"/>
+                </a:solidFill>
+                <a:effectLst/>
+                <a:latin typeface="Apple SD Gothic Neo"/>
+              </a:rPr>
+              <a:t>예를들어</a:t>
+            </a:r>
+            <a:r>
+              <a:rPr lang="ko-KR" altLang="en-US" b="0" i="0" dirty="0">
+                <a:solidFill>
+                  <a:srgbClr val="202124"/>
+                </a:solidFill>
+                <a:effectLst/>
+                <a:latin typeface="Apple SD Gothic Neo"/>
+              </a:rPr>
+              <a:t> 옆사람이 낚시를 할 때 얼마나 </a:t>
+            </a:r>
+            <a:r>
+              <a:rPr lang="ko-KR" altLang="en-US" b="0" i="0" dirty="0" err="1">
+                <a:solidFill>
+                  <a:srgbClr val="202124"/>
+                </a:solidFill>
+                <a:effectLst/>
+                <a:latin typeface="Apple SD Gothic Neo"/>
+              </a:rPr>
+              <a:t>떨어져야하는지</a:t>
+            </a:r>
+            <a:r>
+              <a:rPr lang="en-US" altLang="ko-KR" b="0" i="0" dirty="0">
+                <a:solidFill>
+                  <a:srgbClr val="202124"/>
+                </a:solidFill>
+                <a:effectLst/>
+                <a:latin typeface="Apple SD Gothic Neo"/>
+              </a:rPr>
+              <a:t>, </a:t>
+            </a:r>
+            <a:r>
+              <a:rPr lang="ko-KR" altLang="en-US" b="0" i="0" dirty="0">
+                <a:solidFill>
+                  <a:srgbClr val="202124"/>
+                </a:solidFill>
+                <a:effectLst/>
+                <a:latin typeface="Apple SD Gothic Neo"/>
+              </a:rPr>
+              <a:t>시끄럽게 하면 되는지</a:t>
+            </a:r>
+            <a:r>
+              <a:rPr lang="en-US" altLang="ko-KR" b="0" i="0" dirty="0">
+                <a:solidFill>
+                  <a:srgbClr val="202124"/>
+                </a:solidFill>
+                <a:effectLst/>
+                <a:latin typeface="Apple SD Gothic Neo"/>
+              </a:rPr>
+              <a:t>, </a:t>
+            </a:r>
+            <a:r>
+              <a:rPr lang="ko-KR" altLang="en-US" b="0" i="0" dirty="0">
+                <a:solidFill>
+                  <a:srgbClr val="202124"/>
+                </a:solidFill>
+                <a:effectLst/>
+                <a:latin typeface="Apple SD Gothic Neo"/>
+              </a:rPr>
+              <a:t>이러한 사소한 매너들도 함께 정보 제공을 </a:t>
+            </a:r>
+            <a:r>
+              <a:rPr lang="ko-KR" altLang="en-US" b="0" i="0" dirty="0" err="1">
+                <a:solidFill>
+                  <a:srgbClr val="202124"/>
+                </a:solidFill>
+                <a:effectLst/>
+                <a:latin typeface="Apple SD Gothic Neo"/>
+              </a:rPr>
+              <a:t>해주고있습니다</a:t>
+            </a:r>
+            <a:r>
+              <a:rPr lang="en-US" altLang="ko-KR" b="0" i="0" dirty="0">
+                <a:solidFill>
+                  <a:srgbClr val="202124"/>
+                </a:solidFill>
+                <a:effectLst/>
+                <a:latin typeface="Apple SD Gothic Neo"/>
+              </a:rPr>
+              <a:t>.</a:t>
+            </a:r>
+          </a:p>
+          <a:p>
+            <a:endParaRPr lang="en-US" altLang="ko-KR" b="0" i="0" dirty="0">
+              <a:solidFill>
+                <a:srgbClr val="202124"/>
+              </a:solidFill>
+              <a:effectLst/>
+              <a:latin typeface="Apple SD Gothic Neo"/>
+            </a:endParaRPr>
+          </a:p>
+          <a:p>
+            <a:r>
+              <a:rPr lang="ko-KR" altLang="en-US" b="0" i="0" dirty="0">
+                <a:solidFill>
+                  <a:srgbClr val="202124"/>
+                </a:solidFill>
+                <a:effectLst/>
+                <a:latin typeface="Apple SD Gothic Neo"/>
+              </a:rPr>
+              <a:t>마지막으로 낚시라는 레저</a:t>
+            </a:r>
+            <a:r>
+              <a:rPr lang="en-US" altLang="ko-KR" b="0" i="0" dirty="0">
+                <a:solidFill>
+                  <a:srgbClr val="202124"/>
+                </a:solidFill>
+                <a:effectLst/>
+                <a:latin typeface="Apple SD Gothic Neo"/>
+              </a:rPr>
+              <a:t>, </a:t>
+            </a:r>
+            <a:r>
+              <a:rPr lang="ko-KR" altLang="en-US" b="0" i="0" dirty="0">
+                <a:solidFill>
+                  <a:srgbClr val="202124"/>
+                </a:solidFill>
+                <a:effectLst/>
+                <a:latin typeface="Apple SD Gothic Neo"/>
+              </a:rPr>
+              <a:t>취미에 초보자분들이 많이 유입이 되면서 각종 산업이 발전할 수 있습니다</a:t>
+            </a:r>
+            <a:r>
+              <a:rPr lang="en-US" altLang="ko-KR" b="0" i="0" dirty="0">
+                <a:solidFill>
+                  <a:srgbClr val="202124"/>
+                </a:solidFill>
+                <a:effectLst/>
+                <a:latin typeface="Apple SD Gothic Neo"/>
+              </a:rPr>
+              <a:t>.</a:t>
+            </a:r>
           </a:p>
         </p:txBody>
       </p:sp>
@@ -4847,35 +5634,35 @@
           <a:lstStyle/>
           <a:p>
             <a:r>
-              <a:rPr lang="ko-KR" altLang="en-US" dirty="0" smtClean="0"/>
+              <a:rPr lang="ko-KR" altLang="en-US" dirty="0"/>
               <a:t>발표 목차는 기획의도</a:t>
             </a:r>
             <a:r>
-              <a:rPr lang="en-US" altLang="ko-KR" dirty="0" smtClean="0"/>
+              <a:rPr lang="en-US" altLang="ko-KR" dirty="0"/>
               <a:t>, </a:t>
             </a:r>
             <a:r>
-              <a:rPr lang="ko-KR" altLang="en-US" dirty="0" smtClean="0"/>
+              <a:rPr lang="ko-KR" altLang="en-US" dirty="0"/>
               <a:t>서비스 소개</a:t>
             </a:r>
             <a:r>
-              <a:rPr lang="en-US" altLang="ko-KR" dirty="0" smtClean="0"/>
+              <a:rPr lang="en-US" altLang="ko-KR" dirty="0"/>
               <a:t>, </a:t>
             </a:r>
             <a:r>
-              <a:rPr lang="ko-KR" altLang="en-US" dirty="0" smtClean="0"/>
+              <a:rPr lang="ko-KR" altLang="en-US" dirty="0"/>
               <a:t>주요기능</a:t>
             </a:r>
             <a:r>
-              <a:rPr lang="en-US" altLang="ko-KR" dirty="0" smtClean="0"/>
+              <a:rPr lang="en-US" altLang="ko-KR" dirty="0"/>
               <a:t>, </a:t>
             </a:r>
             <a:r>
-              <a:rPr lang="ko-KR" altLang="en-US" dirty="0" smtClean="0"/>
+              <a:rPr lang="ko-KR" altLang="en-US" dirty="0"/>
               <a:t>기대효과 순으로 진행됩니다</a:t>
             </a:r>
             <a:r>
-              <a:rPr lang="en-US" altLang="ko-KR" dirty="0" smtClean="0"/>
+              <a:rPr lang="en-US" altLang="ko-KR" dirty="0"/>
               <a:t>.</a:t>
             </a:r>
             <a:endParaRPr lang="ko-KR" altLang="en-US" dirty="0"/>
@@ -4962,6 +5749,145 @@
           <a:bodyPr/>
           <a:lstStyle/>
           <a:p>
+            <a:r>
+              <a:rPr lang="ko-KR" altLang="en-US" dirty="0"/>
+              <a:t>마지막으로 고도화 방안입니다</a:t>
+            </a:r>
+            <a:r>
+              <a:rPr lang="en-US" altLang="ko-KR" dirty="0"/>
+              <a:t>.</a:t>
+            </a:r>
+          </a:p>
+          <a:p>
+            <a:endParaRPr lang="en-US" altLang="ko-KR" dirty="0"/>
+          </a:p>
+          <a:p>
+            <a:r>
+              <a:rPr lang="ko-KR" altLang="en-US" dirty="0"/>
+              <a:t>낚시 지역이 대부분 교외에 </a:t>
+            </a:r>
+            <a:r>
+              <a:rPr lang="ko-KR" altLang="en-US" dirty="0" err="1"/>
+              <a:t>있다보니</a:t>
+            </a:r>
+            <a:r>
+              <a:rPr lang="en-US" altLang="ko-KR" dirty="0"/>
+              <a:t>, </a:t>
+            </a:r>
+            <a:r>
+              <a:rPr lang="ko-KR" altLang="en-US" dirty="0"/>
+              <a:t>차량이 </a:t>
+            </a:r>
+            <a:r>
+              <a:rPr lang="ko-KR" altLang="en-US" dirty="0" err="1"/>
+              <a:t>없어면</a:t>
+            </a:r>
+            <a:r>
+              <a:rPr lang="ko-KR" altLang="en-US" dirty="0"/>
+              <a:t> 불편하게 이동을 </a:t>
+            </a:r>
+            <a:r>
+              <a:rPr lang="ko-KR" altLang="en-US" dirty="0" err="1"/>
+              <a:t>해야합니다</a:t>
+            </a:r>
+            <a:r>
+              <a:rPr lang="en-US" altLang="ko-KR" dirty="0"/>
+              <a:t>. </a:t>
+            </a:r>
+            <a:r>
+              <a:rPr lang="ko-KR" altLang="en-US" dirty="0" err="1"/>
+              <a:t>그로써</a:t>
+            </a:r>
+            <a:r>
+              <a:rPr lang="ko-KR" altLang="en-US" dirty="0"/>
+              <a:t> 저희는 렌터카 회사와 연계를 하여 저희 어플을 통해 </a:t>
+            </a:r>
+            <a:r>
+              <a:rPr lang="ko-KR" altLang="en-US" dirty="0" err="1"/>
+              <a:t>사용하게된다면</a:t>
+            </a:r>
+            <a:r>
+              <a:rPr lang="ko-KR" altLang="en-US" dirty="0"/>
+              <a:t> </a:t>
+            </a:r>
+            <a:r>
+              <a:rPr lang="ko-KR" altLang="en-US" dirty="0" err="1"/>
+              <a:t>조금더</a:t>
+            </a:r>
+            <a:r>
+              <a:rPr lang="ko-KR" altLang="en-US" dirty="0"/>
+              <a:t> 저렴하게 혹은 쿠폰을 지급 하여 이용을 늘릴 계획입니다</a:t>
+            </a:r>
+            <a:r>
+              <a:rPr lang="en-US" altLang="ko-KR" dirty="0"/>
+              <a:t>.</a:t>
+            </a:r>
+          </a:p>
+          <a:p>
+            <a:endParaRPr lang="en-US" altLang="ko-KR" dirty="0"/>
+          </a:p>
+          <a:p>
+            <a:r>
+              <a:rPr lang="ko-KR" altLang="en-US" dirty="0"/>
+              <a:t>설문조사 중 낚시를 경험하신 분들이 당부하신 것 중 하나가 머문 자리 청소입니다</a:t>
+            </a:r>
+            <a:r>
+              <a:rPr lang="en-US" altLang="ko-KR" dirty="0"/>
+              <a:t>. </a:t>
+            </a:r>
+            <a:r>
+              <a:rPr lang="ko-KR" altLang="en-US" dirty="0"/>
+              <a:t>청소를 하고 인증샷을 등록을 한다면</a:t>
+            </a:r>
+            <a:r>
+              <a:rPr lang="en-US" altLang="ko-KR" dirty="0"/>
+              <a:t>, </a:t>
+            </a:r>
+            <a:r>
+              <a:rPr lang="ko-KR" altLang="en-US" dirty="0"/>
+              <a:t>검수 후 포인트를 지급하여 그 포인트로 협업한 낚시 용품을 구매하거나 등 사용할 수 있게 할 계획입니다</a:t>
+            </a:r>
+            <a:r>
+              <a:rPr lang="en-US" altLang="ko-KR" dirty="0"/>
+              <a:t>.</a:t>
+            </a:r>
+          </a:p>
+          <a:p>
+            <a:endParaRPr lang="en-US" altLang="ko-KR" dirty="0"/>
+          </a:p>
+          <a:p>
+            <a:r>
+              <a:rPr lang="ko-KR" altLang="en-US" dirty="0"/>
+              <a:t>마지막으로 저희 어플을 통해 낚시에 입문을 하신 분이 </a:t>
+            </a:r>
+            <a:r>
+              <a:rPr lang="en-US" altLang="ko-KR" dirty="0"/>
+              <a:t>6</a:t>
+            </a:r>
+            <a:r>
+              <a:rPr lang="ko-KR" altLang="en-US" dirty="0"/>
+              <a:t>개월동안 매주 낚시를 다니면 어찌될까요</a:t>
+            </a:r>
+            <a:r>
+              <a:rPr lang="en-US" altLang="ko-KR" dirty="0"/>
+              <a:t>? </a:t>
+            </a:r>
+            <a:r>
+              <a:rPr lang="ko-KR" altLang="en-US" dirty="0"/>
+              <a:t>저희 어플의 사용빈도가 줄어들겠죠</a:t>
+            </a:r>
+            <a:r>
+              <a:rPr lang="en-US" altLang="ko-KR" dirty="0"/>
+              <a:t>? </a:t>
+            </a:r>
+            <a:r>
+              <a:rPr lang="ko-KR" altLang="en-US" dirty="0"/>
+              <a:t>저희 어플과 함께 성장한 낚시인들의 정보공유 또는 멘토링 서비스로 새로운 초보자들에게 많은 도움을 줄 계획입니다</a:t>
+            </a:r>
+            <a:r>
+              <a:rPr lang="en-US" altLang="ko-KR" dirty="0"/>
+              <a:t>.</a:t>
+            </a:r>
             <a:endParaRPr lang="ko-KR" altLang="en-US" dirty="0"/>
           </a:p>
         </p:txBody>
@@ -5046,6 +5972,42 @@
           <a:bodyPr/>
           <a:lstStyle/>
           <a:p>
+            <a:r>
+              <a:rPr lang="ko-KR" altLang="en-US" dirty="0"/>
+              <a:t>오늘도 어디선가 낚시왕을 꿈꾸는 누군가를 위한 서비스</a:t>
+            </a:r>
+            <a:r>
+              <a:rPr lang="en-US" altLang="ko-KR" dirty="0"/>
+              <a:t>, “</a:t>
+            </a:r>
+            <a:r>
+              <a:rPr lang="ko-KR" altLang="en-US" dirty="0"/>
+              <a:t>오늘은 </a:t>
+            </a:r>
+            <a:r>
+              <a:rPr lang="ko-KR" altLang="en-US" dirty="0" err="1"/>
+              <a:t>낚시왕</a:t>
+            </a:r>
+            <a:r>
+              <a:rPr lang="en-US" altLang="ko-KR" dirty="0"/>
+              <a:t>” </a:t>
+            </a:r>
+            <a:r>
+              <a:rPr lang="ko-KR" altLang="en-US" dirty="0"/>
+              <a:t>이었습니다</a:t>
+            </a:r>
+            <a:r>
+              <a:rPr lang="en-US" altLang="ko-KR" dirty="0"/>
+              <a:t>. </a:t>
+            </a:r>
+            <a:r>
+              <a:rPr lang="ko-KR" altLang="en-US" dirty="0"/>
+              <a:t>감사합니다</a:t>
+            </a:r>
+            <a:r>
+              <a:rPr lang="en-US" altLang="ko-KR" dirty="0"/>
+              <a:t>!</a:t>
+            </a:r>
             <a:endParaRPr lang="ko-KR" altLang="en-US" dirty="0"/>
           </a:p>
         </p:txBody>
@@ -5131,11 +6093,11 @@
           <a:lstStyle/>
           <a:p>
             <a:r>
-              <a:rPr lang="ko-KR" altLang="en-US" dirty="0" smtClean="0"/>
+              <a:rPr lang="ko-KR" altLang="en-US" dirty="0"/>
               <a:t>우선 기획 의도입니다</a:t>
             </a:r>
             <a:r>
-              <a:rPr lang="en-US" altLang="ko-KR" dirty="0" smtClean="0"/>
+              <a:rPr lang="en-US" altLang="ko-KR" dirty="0"/>
               <a:t>.</a:t>
             </a:r>
             <a:endParaRPr lang="ko-KR" altLang="en-US" dirty="0"/>
@@ -5223,37 +6185,37 @@
           <a:lstStyle/>
           <a:p>
             <a:r>
-              <a:rPr lang="ko-KR" altLang="en-US" dirty="0" smtClean="0"/>
+              <a:rPr lang="ko-KR" altLang="en-US" dirty="0"/>
               <a:t>낚시에 대한 관심이 매우 뜨겁습니다</a:t>
             </a:r>
             <a:r>
-              <a:rPr lang="en-US" altLang="ko-KR" dirty="0" smtClean="0"/>
+              <a:rPr lang="en-US" altLang="ko-KR" dirty="0"/>
               <a:t>.</a:t>
             </a:r>
           </a:p>
           <a:p>
             <a:r>
-              <a:rPr lang="ko-KR" altLang="en-US" dirty="0" smtClean="0"/>
+              <a:rPr lang="ko-KR" altLang="en-US" dirty="0"/>
               <a:t>기존 낚시를 즐긴다는 인식이 강한 </a:t>
             </a:r>
             <a:r>
-              <a:rPr lang="ko-KR" altLang="en-US" dirty="0" err="1" smtClean="0"/>
+              <a:rPr lang="ko-KR" altLang="en-US" dirty="0" err="1"/>
               <a:t>기성세대들</a:t>
             </a:r>
             <a:r>
-              <a:rPr lang="ko-KR" altLang="en-US" baseline="0" dirty="0" smtClean="0"/>
+              <a:rPr lang="ko-KR" altLang="en-US" baseline="0" dirty="0"/>
               <a:t> 외에도 </a:t>
             </a:r>
             <a:r>
-              <a:rPr lang="en-US" altLang="ko-KR" baseline="0" dirty="0" smtClean="0"/>
+              <a:rPr lang="en-US" altLang="ko-KR" baseline="0" dirty="0"/>
               <a:t>MZ</a:t>
             </a:r>
             <a:r>
-              <a:rPr lang="ko-KR" altLang="en-US" baseline="0" dirty="0" smtClean="0"/>
+              <a:rPr lang="ko-KR" altLang="en-US" baseline="0" dirty="0"/>
               <a:t>세대들의 낚시에 대한 관심이 점점 늘어나고 있습니다</a:t>
             </a:r>
             <a:r>
-              <a:rPr lang="en-US" altLang="ko-KR" baseline="0" dirty="0" smtClean="0"/>
+              <a:rPr lang="en-US" altLang="ko-KR" baseline="0" dirty="0"/>
               <a:t>.</a:t>
             </a:r>
             <a:endParaRPr lang="ko-KR" altLang="en-US" dirty="0"/>
@@ -5341,78 +6303,78 @@
           <a:lstStyle/>
           <a:p>
             <a:r>
-              <a:rPr lang="ko-KR" altLang="en-US" dirty="0" smtClean="0"/>
+              <a:rPr lang="ko-KR" altLang="en-US" dirty="0"/>
               <a:t>여러분 제가 유명한 낚시카페에서</a:t>
             </a:r>
             <a:r>
-              <a:rPr lang="en-US" altLang="ko-KR" baseline="0" dirty="0" smtClean="0"/>
+              <a:rPr lang="en-US" altLang="ko-KR" baseline="0" dirty="0"/>
               <a:t> </a:t>
             </a:r>
             <a:r>
-              <a:rPr lang="ko-KR" altLang="en-US" baseline="0" dirty="0" smtClean="0"/>
+              <a:rPr lang="ko-KR" altLang="en-US" baseline="0" dirty="0"/>
               <a:t>퍼온</a:t>
             </a:r>
             <a:r>
-              <a:rPr lang="ko-KR" altLang="en-US" dirty="0" smtClean="0"/>
+              <a:rPr lang="ko-KR" altLang="en-US" dirty="0"/>
               <a:t> 글을 한번 읽어 드리겠습니다</a:t>
             </a:r>
             <a:r>
-              <a:rPr lang="en-US" altLang="ko-KR" dirty="0" smtClean="0"/>
+              <a:rPr lang="en-US" altLang="ko-KR" dirty="0"/>
               <a:t>.</a:t>
             </a:r>
           </a:p>
           <a:p>
             <a:r>
-              <a:rPr lang="en-US" altLang="ko-KR" dirty="0" smtClean="0"/>
+              <a:rPr lang="en-US" altLang="ko-KR" dirty="0"/>
               <a:t>(</a:t>
             </a:r>
             <a:r>
-              <a:rPr lang="ko-KR" altLang="en-US" dirty="0" smtClean="0"/>
+              <a:rPr lang="ko-KR" altLang="en-US" dirty="0"/>
               <a:t>글 빠르고 이해가 되게 </a:t>
             </a:r>
             <a:r>
-              <a:rPr lang="ko-KR" altLang="en-US" dirty="0" err="1" smtClean="0"/>
+              <a:rPr lang="ko-KR" altLang="en-US" dirty="0" err="1"/>
               <a:t>읽어줌</a:t>
             </a:r>
             <a:r>
-              <a:rPr lang="en-US" altLang="ko-KR" baseline="0" dirty="0" smtClean="0"/>
+              <a:rPr lang="en-US" altLang="ko-KR" baseline="0" dirty="0"/>
               <a:t> – </a:t>
             </a:r>
             <a:r>
-              <a:rPr lang="ko-KR" altLang="en-US" baseline="0" dirty="0" err="1" smtClean="0"/>
+              <a:rPr lang="ko-KR" altLang="en-US" baseline="0" dirty="0" err="1"/>
               <a:t>어려운용어는</a:t>
             </a:r>
             <a:r>
-              <a:rPr lang="ko-KR" altLang="en-US" baseline="0" dirty="0" smtClean="0"/>
+              <a:rPr lang="ko-KR" altLang="en-US" baseline="0" dirty="0"/>
               <a:t> 강조</a:t>
             </a:r>
             <a:r>
-              <a:rPr lang="en-US" altLang="ko-KR" baseline="0" dirty="0" smtClean="0"/>
+              <a:rPr lang="en-US" altLang="ko-KR" baseline="0" dirty="0"/>
               <a:t>)</a:t>
             </a:r>
           </a:p>
           <a:p>
-            <a:endParaRPr lang="en-US" altLang="ko-KR" baseline="0" dirty="0" smtClean="0"/>
+            <a:endParaRPr lang="en-US" altLang="ko-KR" baseline="0" dirty="0"/>
           </a:p>
           <a:p>
             <a:r>
-              <a:rPr lang="ko-KR" altLang="en-US" baseline="0" dirty="0" err="1" smtClean="0"/>
+              <a:rPr lang="ko-KR" altLang="en-US" baseline="0" dirty="0" err="1"/>
               <a:t>입문자들이</a:t>
             </a:r>
             <a:r>
-              <a:rPr lang="ko-KR" altLang="en-US" baseline="0" dirty="0" smtClean="0"/>
+              <a:rPr lang="ko-KR" altLang="en-US" baseline="0" dirty="0"/>
               <a:t> 이해하기 어려운 용어를 사용하여 </a:t>
             </a:r>
             <a:r>
-              <a:rPr lang="ko-KR" altLang="en-US" baseline="0" dirty="0" err="1" smtClean="0"/>
+              <a:rPr lang="ko-KR" altLang="en-US" baseline="0" dirty="0" err="1"/>
               <a:t>낚시관련</a:t>
             </a:r>
             <a:r>
-              <a:rPr lang="ko-KR" altLang="en-US" baseline="0" dirty="0" smtClean="0"/>
+              <a:rPr lang="ko-KR" altLang="en-US" baseline="0" dirty="0"/>
               <a:t> 정보를 얻을 때 불편함을 느낄 수 있습니다</a:t>
             </a:r>
             <a:r>
-              <a:rPr lang="en-US" altLang="ko-KR" baseline="0" dirty="0" smtClean="0"/>
+              <a:rPr lang="en-US" altLang="ko-KR" baseline="0" dirty="0"/>
               <a:t>.</a:t>
             </a:r>
           </a:p>
@@ -5499,37 +6461,37 @@
           <a:lstStyle/>
           <a:p>
             <a:r>
-              <a:rPr lang="ko-KR" altLang="en-US" dirty="0" smtClean="0"/>
+              <a:rPr lang="ko-KR" altLang="en-US" dirty="0"/>
               <a:t>저희가 서비스를 기획하면서 설문조사를 진행해보았습니다</a:t>
             </a:r>
             <a:r>
-              <a:rPr lang="en-US" altLang="ko-KR" dirty="0" smtClean="0"/>
+              <a:rPr lang="en-US" altLang="ko-KR" dirty="0"/>
               <a:t>.</a:t>
             </a:r>
           </a:p>
           <a:p>
             <a:r>
-              <a:rPr lang="ko-KR" altLang="en-US" dirty="0" smtClean="0"/>
+              <a:rPr lang="ko-KR" altLang="en-US" dirty="0"/>
               <a:t>설문조사에 참여하신 분들 중 </a:t>
             </a:r>
             <a:r>
-              <a:rPr lang="en-US" altLang="ko-KR" dirty="0" smtClean="0"/>
+              <a:rPr lang="en-US" altLang="ko-KR" dirty="0"/>
               <a:t>73</a:t>
             </a:r>
             <a:r>
-              <a:rPr lang="ko-KR" altLang="en-US" dirty="0" smtClean="0"/>
+              <a:rPr lang="ko-KR" altLang="en-US" dirty="0"/>
               <a:t>프로가 </a:t>
             </a:r>
             <a:r>
-              <a:rPr lang="en-US" altLang="ko-KR" dirty="0" smtClean="0"/>
+              <a:rPr lang="en-US" altLang="ko-KR" dirty="0"/>
               <a:t>20,30</a:t>
             </a:r>
             <a:r>
-              <a:rPr lang="ko-KR" altLang="en-US" dirty="0" smtClean="0"/>
+              <a:rPr lang="ko-KR" altLang="en-US" dirty="0"/>
               <a:t>대 분들로 구성되어 있습니다</a:t>
             </a:r>
             <a:r>
-              <a:rPr lang="en-US" altLang="ko-KR" dirty="0" smtClean="0"/>
+              <a:rPr lang="en-US" altLang="ko-KR" dirty="0"/>
               <a:t>.</a:t>
             </a:r>
             <a:endParaRPr lang="ko-KR" altLang="en-US" dirty="0"/>
@@ -5617,41 +6579,41 @@
           <a:lstStyle/>
           <a:p>
             <a:r>
-              <a:rPr lang="ko-KR" altLang="en-US" dirty="0" smtClean="0"/>
+              <a:rPr lang="ko-KR" altLang="en-US" dirty="0"/>
               <a:t>이분들을 대상으로</a:t>
             </a:r>
             <a:r>
-              <a:rPr lang="ko-KR" altLang="en-US" baseline="0" dirty="0" smtClean="0"/>
+              <a:rPr lang="ko-KR" altLang="en-US" baseline="0" dirty="0"/>
               <a:t> 낚시 정보를 얻기 위하여 개인시간을 사용해 불편한 적이 있냐는 질문에</a:t>
             </a:r>
             <a:r>
-              <a:rPr lang="en-US" altLang="ko-KR" baseline="0" dirty="0" smtClean="0"/>
+              <a:rPr lang="en-US" altLang="ko-KR" baseline="0" dirty="0"/>
               <a:t>, 78</a:t>
             </a:r>
             <a:r>
-              <a:rPr lang="ko-KR" altLang="en-US" baseline="0" dirty="0" smtClean="0"/>
+              <a:rPr lang="ko-KR" altLang="en-US" baseline="0" dirty="0"/>
               <a:t>프로가 있다고 답했습니다</a:t>
             </a:r>
             <a:r>
-              <a:rPr lang="en-US" altLang="ko-KR" baseline="0" dirty="0" smtClean="0"/>
+              <a:rPr lang="en-US" altLang="ko-KR" baseline="0" dirty="0"/>
               <a:t>.</a:t>
             </a:r>
           </a:p>
           <a:p>
             <a:r>
-              <a:rPr lang="ko-KR" altLang="en-US" baseline="0" dirty="0" smtClean="0"/>
+              <a:rPr lang="ko-KR" altLang="en-US" baseline="0" dirty="0"/>
               <a:t>저희는 간편하게 정보를 찾고</a:t>
             </a:r>
             <a:r>
-              <a:rPr lang="en-US" altLang="ko-KR" baseline="0" dirty="0" smtClean="0"/>
+              <a:rPr lang="en-US" altLang="ko-KR" baseline="0" dirty="0"/>
               <a:t>, </a:t>
             </a:r>
             <a:r>
-              <a:rPr lang="ko-KR" altLang="en-US" baseline="0" dirty="0" smtClean="0"/>
+              <a:rPr lang="ko-KR" altLang="en-US" baseline="0" dirty="0"/>
               <a:t>지식을 얻는 기능도 추가하였습니다</a:t>
             </a:r>
             <a:r>
-              <a:rPr lang="en-US" altLang="ko-KR" baseline="0" dirty="0" smtClean="0"/>
+              <a:rPr lang="en-US" altLang="ko-KR" baseline="0" dirty="0"/>
               <a:t>.</a:t>
             </a:r>
           </a:p>
@@ -5738,55 +6700,55 @@
           <a:lstStyle/>
           <a:p>
             <a:r>
-              <a:rPr lang="ko-KR" altLang="en-US" dirty="0" smtClean="0"/>
+              <a:rPr lang="ko-KR" altLang="en-US" dirty="0"/>
               <a:t>또한 개인 </a:t>
             </a:r>
             <a:r>
-              <a:rPr lang="en-US" altLang="ko-KR" dirty="0" err="1" smtClean="0"/>
+              <a:rPr lang="en-US" altLang="ko-KR" dirty="0" err="1"/>
               <a:t>sns</a:t>
             </a:r>
             <a:r>
-              <a:rPr lang="ko-KR" altLang="en-US" dirty="0" smtClean="0"/>
+              <a:rPr lang="ko-KR" altLang="en-US" dirty="0"/>
               <a:t>를 활발히 운영중인 분들이 많은 세대로써</a:t>
             </a:r>
             <a:r>
-              <a:rPr lang="en-US" altLang="ko-KR" dirty="0" smtClean="0"/>
+              <a:rPr lang="en-US" altLang="ko-KR" dirty="0"/>
               <a:t>,</a:t>
             </a:r>
           </a:p>
           <a:p>
             <a:r>
-              <a:rPr lang="ko-KR" altLang="en-US" dirty="0" smtClean="0"/>
+              <a:rPr lang="ko-KR" altLang="en-US" dirty="0"/>
               <a:t>샵</a:t>
             </a:r>
             <a:r>
-              <a:rPr lang="en-US" altLang="ko-KR" dirty="0" smtClean="0"/>
+              <a:rPr lang="en-US" altLang="ko-KR" dirty="0"/>
               <a:t>(#),</a:t>
             </a:r>
             <a:r>
-              <a:rPr lang="ko-KR" altLang="en-US" dirty="0" smtClean="0"/>
+              <a:rPr lang="ko-KR" altLang="en-US" dirty="0"/>
               <a:t>사진 찍기 좋은 바다 처럼 낚시 이외에도 해시태그 키워드로</a:t>
             </a:r>
-            <a:endParaRPr lang="en-US" altLang="ko-KR" dirty="0" smtClean="0"/>
+            <a:endParaRPr lang="en-US" altLang="ko-KR" dirty="0"/>
           </a:p>
           <a:p>
             <a:r>
-              <a:rPr lang="ko-KR" altLang="en-US" dirty="0" smtClean="0"/>
+              <a:rPr lang="ko-KR" altLang="en-US" dirty="0"/>
               <a:t>낚시터를 추천하는 것이 어떠냐는 질문에 </a:t>
             </a:r>
             <a:r>
-              <a:rPr lang="en-US" altLang="ko-KR" dirty="0" smtClean="0"/>
+              <a:rPr lang="en-US" altLang="ko-KR" dirty="0"/>
               <a:t>80</a:t>
             </a:r>
             <a:r>
-              <a:rPr lang="ko-KR" altLang="en-US" dirty="0" smtClean="0"/>
+              <a:rPr lang="ko-KR" altLang="en-US" dirty="0"/>
               <a:t>프로의 긍정의 답변을 받았습니다</a:t>
             </a:r>
             <a:r>
-              <a:rPr lang="en-US" altLang="ko-KR" dirty="0" smtClean="0"/>
+              <a:rPr lang="en-US" altLang="ko-KR" dirty="0"/>
               <a:t>.</a:t>
             </a:r>
-            <a:endParaRPr lang="en-US" altLang="ko-KR" baseline="0" dirty="0" smtClean="0"/>
+            <a:endParaRPr lang="en-US" altLang="ko-KR" baseline="0" dirty="0"/>
           </a:p>
         </p:txBody>
       </p:sp>
@@ -5871,55 +6833,115 @@
           <a:lstStyle/>
           <a:p>
             <a:r>
-              <a:rPr lang="ko-KR" altLang="en-US" dirty="0" smtClean="0"/>
-              <a:t>이러한 설문조사 결과를 바탕으로 우리는</a:t>
-            </a:r>
-            <a:endParaRPr lang="en-US" altLang="ko-KR" dirty="0" smtClean="0"/>
+              <a:rPr lang="ko-KR" altLang="en-US" dirty="0"/>
+              <a:t>기존</a:t>
+            </a:r>
+            <a:r>
+              <a:rPr lang="ko-KR" altLang="en-US" baseline="0" dirty="0"/>
+              <a:t> 낚시 서비스들</a:t>
+            </a:r>
+            <a:r>
+              <a:rPr lang="en-US" altLang="ko-KR" baseline="0" dirty="0"/>
+              <a:t>, </a:t>
+            </a:r>
+            <a:r>
+              <a:rPr lang="ko-KR" altLang="en-US" baseline="0" dirty="0"/>
+              <a:t>즉</a:t>
+            </a:r>
+            <a:r>
+              <a:rPr lang="en-US" altLang="ko-KR" baseline="0" dirty="0"/>
+              <a:t>, </a:t>
+            </a:r>
+            <a:r>
+              <a:rPr lang="ko-KR" altLang="en-US" baseline="0" dirty="0"/>
+              <a:t>경쟁사들을 알아보겠습니다</a:t>
+            </a:r>
+            <a:r>
+              <a:rPr lang="en-US" altLang="ko-KR" baseline="0" dirty="0"/>
+              <a:t>. </a:t>
+            </a:r>
           </a:p>
           <a:p>
             <a:r>
-              <a:rPr lang="ko-KR" altLang="en-US" dirty="0" smtClean="0"/>
-              <a:t>낚시에 입문하고자 하는 </a:t>
-            </a:r>
-            <a:r>
-              <a:rPr lang="en-US" altLang="ko-KR" dirty="0" smtClean="0"/>
-              <a:t>MZ</a:t>
-            </a:r>
-            <a:r>
-              <a:rPr lang="ko-KR" altLang="en-US" dirty="0" smtClean="0"/>
-              <a:t>세대 맞춤 초보자용 낚시 서비스 </a:t>
-            </a:r>
-            <a:r>
-              <a:rPr lang="en-US" altLang="ko-KR" dirty="0" smtClean="0"/>
-              <a:t>“</a:t>
-            </a:r>
-            <a:r>
-              <a:rPr lang="ko-KR" altLang="en-US" dirty="0" smtClean="0"/>
-              <a:t>오늘은 </a:t>
-            </a:r>
-            <a:r>
-              <a:rPr lang="ko-KR" altLang="en-US" dirty="0" err="1" smtClean="0"/>
-              <a:t>낚시왕</a:t>
-            </a:r>
-            <a:r>
-              <a:rPr lang="en-US" altLang="ko-KR" dirty="0" smtClean="0"/>
-              <a:t>＂</a:t>
-            </a:r>
-            <a:r>
-              <a:rPr lang="ko-KR" altLang="en-US" dirty="0" smtClean="0"/>
-              <a:t>을</a:t>
-            </a:r>
-            <a:r>
-              <a:rPr lang="ko-KR" altLang="en-US" baseline="0" dirty="0" smtClean="0"/>
-              <a:t> 기획하게 되었습니다</a:t>
-            </a:r>
-            <a:r>
-              <a:rPr lang="en-US" altLang="ko-KR" baseline="0" dirty="0" smtClean="0"/>
+              <a:rPr lang="ko-KR" altLang="en-US" baseline="0" dirty="0"/>
+              <a:t>기존 서비스들은 대부분 낚시를 꽤 오래하신 분들</a:t>
+            </a:r>
+            <a:r>
+              <a:rPr lang="en-US" altLang="ko-KR" baseline="0" dirty="0"/>
+              <a:t>, </a:t>
+            </a:r>
+            <a:r>
+              <a:rPr lang="ko-KR" altLang="en-US" baseline="0" dirty="0"/>
+              <a:t>또는 물고기를 보면 아</a:t>
+            </a:r>
+            <a:r>
+              <a:rPr lang="en-US" altLang="ko-KR" baseline="0" dirty="0"/>
+              <a:t>, </a:t>
+            </a:r>
+            <a:r>
+              <a:rPr lang="ko-KR" altLang="en-US" baseline="0" dirty="0"/>
+              <a:t>얘는 </a:t>
+            </a:r>
+            <a:r>
+              <a:rPr lang="ko-KR" altLang="en-US" baseline="0" dirty="0" err="1"/>
+              <a:t>무슨생선이야</a:t>
+            </a:r>
+            <a:r>
+              <a:rPr lang="en-US" altLang="ko-KR" baseline="0" dirty="0"/>
+              <a:t>. </a:t>
+            </a:r>
+            <a:r>
+              <a:rPr lang="ko-KR" altLang="en-US" baseline="0" dirty="0"/>
+              <a:t>라고 </a:t>
+            </a:r>
+            <a:r>
+              <a:rPr lang="ko-KR" altLang="en-US" baseline="0" dirty="0" err="1"/>
+              <a:t>아실만한</a:t>
+            </a:r>
+            <a:r>
+              <a:rPr lang="ko-KR" altLang="en-US" baseline="0" dirty="0"/>
+              <a:t> 분들을 위주로 서비스를 진행해 오고 있습니다</a:t>
+            </a:r>
+            <a:r>
+              <a:rPr lang="en-US" altLang="ko-KR" baseline="0" dirty="0"/>
               <a:t>.</a:t>
             </a:r>
           </a:p>
           <a:p>
-            <a:pPr marL="0" marR="0" indent="0" algn="l" defTabSz="914400" rtl="0" eaLnBrk="1" fontAlgn="auto" latinLnBrk="1" hangingPunct="1">
+            <a:r>
+              <a:rPr lang="ko-KR" altLang="en-US" baseline="0" dirty="0"/>
+              <a:t>그로 인해 </a:t>
+            </a:r>
+            <a:r>
+              <a:rPr lang="ko-KR" altLang="en-US" baseline="0" dirty="0" err="1"/>
+              <a:t>입문자</a:t>
+            </a:r>
+            <a:r>
+              <a:rPr lang="en-US" altLang="ko-KR" baseline="0" dirty="0"/>
+              <a:t>, </a:t>
+            </a:r>
+            <a:r>
+              <a:rPr lang="ko-KR" altLang="en-US" baseline="0" dirty="0"/>
+              <a:t>초보자들은 이해하기 어려운 용어가 많고</a:t>
+            </a:r>
+            <a:r>
+              <a:rPr lang="en-US" altLang="ko-KR" baseline="0" dirty="0"/>
+              <a:t>, </a:t>
+            </a:r>
+            <a:r>
+              <a:rPr lang="ko-KR" altLang="en-US" baseline="0" dirty="0"/>
+              <a:t>초보자들을 위한 컨텐츠는 찾기 힘들었습니다</a:t>
+            </a:r>
+            <a:r>
+              <a:rPr lang="en-US" altLang="ko-KR" baseline="0" dirty="0"/>
+              <a:t>.</a:t>
+            </a:r>
+          </a:p>
+          <a:p>
+            <a:endParaRPr lang="en-US" altLang="ko-KR" baseline="0" dirty="0"/>
+          </a:p>
+          <a:p>
+            <a:pPr marL="0" marR="0" lvl="0" indent="0" algn="l" defTabSz="914400" rtl="0" eaLnBrk="1" fontAlgn="auto" latinLnBrk="1" hangingPunct="1">
               <a:lnSpc>
                 <a:spcPct val="100000"/>
               </a:lnSpc>
@@ -5937,50 +6959,21 @@
               <a:defRPr/>
             </a:pPr>
             <a:r>
-              <a:rPr lang="ko-KR" altLang="en-US" dirty="0" smtClean="0"/>
-              <a:t>그런데 말입니다</a:t>
-            </a:r>
-            <a:r>
-              <a:rPr lang="en-US" altLang="ko-KR" dirty="0" smtClean="0"/>
-              <a:t>. </a:t>
-            </a:r>
-            <a:r>
-              <a:rPr lang="ko-KR" altLang="en-US" dirty="0" smtClean="0"/>
-              <a:t>설문조사나 인터넷 </a:t>
-            </a:r>
-            <a:r>
-              <a:rPr lang="ko-KR" altLang="en-US" dirty="0" err="1" smtClean="0"/>
-              <a:t>서치로는</a:t>
-            </a:r>
-            <a:r>
-              <a:rPr lang="ko-KR" altLang="en-US" dirty="0" smtClean="0"/>
-              <a:t> 느끼지 못하는 것들이 많죠</a:t>
-            </a:r>
-            <a:r>
-              <a:rPr lang="en-US" altLang="ko-KR" dirty="0" smtClean="0"/>
-              <a:t>. </a:t>
-            </a:r>
-            <a:r>
-              <a:rPr lang="ko-KR" altLang="en-US" dirty="0" smtClean="0"/>
-              <a:t>낚시를 경험해 보지 </a:t>
-            </a:r>
-            <a:r>
-              <a:rPr lang="ko-KR" altLang="en-US" smtClean="0"/>
-              <a:t>못했던 저희는 낚시를 직접 </a:t>
-            </a:r>
-            <a:r>
-              <a:rPr lang="ko-KR" altLang="en-US" dirty="0" smtClean="0"/>
-              <a:t>느껴보고자 목포로 떠났습니다</a:t>
-            </a:r>
-            <a:r>
-              <a:rPr lang="en-US" altLang="ko-KR" dirty="0" smtClean="0"/>
-              <a:t>! UCC </a:t>
-            </a:r>
-            <a:r>
-              <a:rPr lang="ko-KR" altLang="en-US" dirty="0" smtClean="0"/>
-              <a:t>보겠습니다</a:t>
-            </a:r>
-            <a:endParaRPr lang="en-US" altLang="ko-KR" dirty="0" smtClean="0"/>
+              <a:rPr lang="ko-KR" altLang="en-US" dirty="0"/>
+              <a:t>설문조사와 경쟁사분석을 통하여</a:t>
+            </a:r>
+            <a:endParaRPr lang="en-US" altLang="ko-KR" baseline="0" dirty="0"/>
+          </a:p>
+          <a:p>
+            <a:r>
+              <a:rPr lang="ko-KR" altLang="en-US" baseline="0" dirty="0"/>
+              <a:t>저희는</a:t>
+            </a:r>
+            <a:r>
+              <a:rPr lang="en-US" altLang="ko-KR" baseline="0" dirty="0"/>
+              <a:t>, </a:t>
+            </a:r>
+            <a:endParaRPr lang="ko-KR" altLang="en-US" dirty="0"/>
           </a:p>
         </p:txBody>
       </p:sp>
@@ -6010,7 +7003,7 @@
     </p:spTree>
     <p:extLst>
       <p:ext uri="{BB962C8B-B14F-4D97-AF65-F5344CB8AC3E}">
-        <p14:creationId xmlns:p14="http://schemas.microsoft.com/office/powerpoint/2010/main" val="3058480816"/>
+        <p14:creationId xmlns:p14="http://schemas.microsoft.com/office/powerpoint/2010/main" val="2232528817"/>
       </p:ext>
     </p:extLst>
   </p:cSld>
@@ -9815,6 +10808,612 @@
           </a:prstGeom>
         </p:spPr>
       </p:pic>
+      <p:grpSp>
+        <p:nvGrpSpPr>
+          <p:cNvPr id="2" name="그룹 1003">
+            <a:extLst>
+              <a:ext uri="{FF2B5EF4-FFF2-40B4-BE49-F238E27FC236}">
+                <a16:creationId xmlns:a16="http://schemas.microsoft.com/office/drawing/2014/main" id="{B72BD29D-D824-6D64-CB0D-EACA7645F3CE}"/>
+              </a:ext>
+            </a:extLst>
+          </p:cNvPr>
+          <p:cNvGrpSpPr/>
+          <p:nvPr/>
+        </p:nvGrpSpPr>
+        <p:grpSpPr>
+          <a:xfrm>
+            <a:off x="7239000" y="1918727"/>
+            <a:ext cx="4282902" cy="3224773"/>
+            <a:chOff x="6992437" y="1921212"/>
+            <a:chExt cx="4910465" cy="3697291"/>
+          </a:xfrm>
+        </p:grpSpPr>
+        <p:pic>
+          <p:nvPicPr>
+            <p:cNvPr id="3" name="Object 9">
+              <a:extLst>
+                <a:ext uri="{FF2B5EF4-FFF2-40B4-BE49-F238E27FC236}">
+                  <a16:creationId xmlns:a16="http://schemas.microsoft.com/office/drawing/2014/main" id="{B5257882-6AD6-BAEF-86B6-6CCE3A982D68}"/>
+                </a:ext>
+              </a:extLst>
+            </p:cNvPr>
+            <p:cNvPicPr>
+              <a:picLocks noChangeAspect="1"/>
+            </p:cNvPicPr>
+            <p:nvPr/>
+          </p:nvPicPr>
+          <p:blipFill>
+            <a:blip r:embed="rId11" cstate="print"/>
+            <a:stretch>
+              <a:fillRect/>
+            </a:stretch>
+          </p:blipFill>
+          <p:spPr>
+            <a:xfrm>
+              <a:off x="6992437" y="1921212"/>
+              <a:ext cx="4910465" cy="3697291"/>
+            </a:xfrm>
+            <a:prstGeom prst="rect">
+              <a:avLst/>
+            </a:prstGeom>
+          </p:spPr>
+        </p:pic>
+      </p:grpSp>
+      <p:grpSp>
+        <p:nvGrpSpPr>
+          <p:cNvPr id="38" name="그룹 1003">
+            <a:extLst>
+              <a:ext uri="{FF2B5EF4-FFF2-40B4-BE49-F238E27FC236}">
+                <a16:creationId xmlns:a16="http://schemas.microsoft.com/office/drawing/2014/main" id="{F2E49B59-9816-B3A1-D47D-F9C03C624649}"/>
+              </a:ext>
+            </a:extLst>
+          </p:cNvPr>
+          <p:cNvGrpSpPr/>
+          <p:nvPr/>
+        </p:nvGrpSpPr>
+        <p:grpSpPr>
+          <a:xfrm>
+            <a:off x="18839677" y="1562100"/>
+            <a:ext cx="4172723" cy="2060827"/>
+            <a:chOff x="16414264" y="3194599"/>
+            <a:chExt cx="7857881" cy="3880855"/>
+          </a:xfrm>
+        </p:grpSpPr>
+        <p:pic>
+          <p:nvPicPr>
+            <p:cNvPr id="39" name="Object 9">
+              <a:extLst>
+                <a:ext uri="{FF2B5EF4-FFF2-40B4-BE49-F238E27FC236}">
+                  <a16:creationId xmlns:a16="http://schemas.microsoft.com/office/drawing/2014/main" id="{29572B2E-9A41-CDEA-D261-6DA3D55BD89C}"/>
+                </a:ext>
+              </a:extLst>
+            </p:cNvPr>
+            <p:cNvPicPr>
+              <a:picLocks noChangeAspect="1"/>
+            </p:cNvPicPr>
+            <p:nvPr/>
+          </p:nvPicPr>
+          <p:blipFill>
+            <a:blip r:embed="rId12" cstate="print"/>
+            <a:stretch>
+              <a:fillRect/>
+            </a:stretch>
+          </p:blipFill>
+          <p:spPr>
+            <a:xfrm rot="180000">
+              <a:off x="16414264" y="3194599"/>
+              <a:ext cx="7857881" cy="3880855"/>
+            </a:xfrm>
+            <a:prstGeom prst="rect">
+              <a:avLst/>
+            </a:prstGeom>
+          </p:spPr>
+        </p:pic>
+      </p:grpSp>
+      <p:pic>
+        <p:nvPicPr>
+          <p:cNvPr id="21" name="Object 13"/>
+          <p:cNvPicPr>
+            <a:picLocks noChangeAspect="1"/>
+          </p:cNvPicPr>
+          <p:nvPr/>
+        </p:nvPicPr>
+        <p:blipFill>
+          <a:blip r:embed="rId13" cstate="print"/>
+          <a:stretch>
+            <a:fillRect/>
+          </a:stretch>
+        </p:blipFill>
+        <p:spPr>
+          <a:xfrm>
+            <a:off x="-2819400" y="5333426"/>
+            <a:ext cx="22410678" cy="3422878"/>
+          </a:xfrm>
+          <a:prstGeom prst="rect">
+            <a:avLst/>
+          </a:prstGeom>
+        </p:spPr>
+      </p:pic>
+    </p:spTree>
+    <p:extLst>
+      <p:ext uri="{BB962C8B-B14F-4D97-AF65-F5344CB8AC3E}">
+        <p14:creationId xmlns:p14="http://schemas.microsoft.com/office/powerpoint/2010/main" val="539102007"/>
+      </p:ext>
+    </p:extLst>
+  </p:cSld>
+  <p:clrMapOvr>
+    <a:masterClrMapping/>
+  </p:clrMapOvr>
+  <p:transition spd="slow">
+    <p:push dir="r"/>
+  </p:transition>
+  <p:timing>
+    <p:tnLst>
+      <p:par>
+        <p:cTn id="1" dur="indefinite" restart="never" nodeType="tmRoot">
+          <p:childTnLst>
+            <p:seq concurrent="1" nextAc="seek">
+              <p:cTn id="2" dur="indefinite" nodeType="mainSeq">
+                <p:childTnLst>
+                  <p:par>
+                    <p:cTn id="3" fill="hold">
+                      <p:stCondLst>
+                        <p:cond delay="indefinite"/>
+                        <p:cond evt="onBegin" delay="0">
+                          <p:tn val="2"/>
+                        </p:cond>
+                      </p:stCondLst>
+                      <p:childTnLst>
+                        <p:par>
+                          <p:cTn id="4" fill="hold">
+                            <p:stCondLst>
+                              <p:cond delay="0"/>
+                            </p:stCondLst>
+                            <p:childTnLst>
+                              <p:par>
+                                <p:cTn id="5" presetID="44" presetClass="path" presetSubtype="0" accel="50000" decel="50000" fill="hold" nodeType="withEffect">
+                                  <p:stCondLst>
+                                    <p:cond delay="0"/>
+                                  </p:stCondLst>
+                                  <p:childTnLst>
+                                    <p:animMotion origin="layout" path="M -1.45234 0.18919 L -1.06337 -0.06991 C -0.98203 -0.1301 -0.85998 -0.16081 -0.73229 -0.16081 C -0.58776 -0.16081 -0.47066 -0.1301 -0.38941 -0.06991 L -8.33333E-7 0.18919 " pathEditMode="relative" rAng="0" ptsTypes="AAAAA">
+                                      <p:cBhvr>
+                                        <p:cTn id="6" dur="2000" spd="-100000" fill="hold"/>
+                                        <p:tgtEl>
+                                          <p:spTgt spid="38"/>
+                                        </p:tgtEl>
+                                        <p:attrNameLst>
+                                          <p:attrName>ppt_x</p:attrName>
+                                          <p:attrName>ppt_y</p:attrName>
+                                        </p:attrNameLst>
+                                      </p:cBhvr>
+                                      <p:rCtr x="72613" y="-17500"/>
+                                    </p:animMotion>
+                                  </p:childTnLst>
+                                </p:cTn>
+                              </p:par>
+                            </p:childTnLst>
+                          </p:cTn>
+                        </p:par>
+                      </p:childTnLst>
+                    </p:cTn>
+                  </p:par>
+                </p:childTnLst>
+              </p:cTn>
+              <p:prevCondLst>
+                <p:cond evt="onPrev" delay="0">
+                  <p:tgtEl>
+                    <p:sldTgt/>
+                  </p:tgtEl>
+                </p:cond>
+              </p:prevCondLst>
+              <p:nextCondLst>
+                <p:cond evt="onNext" delay="0">
+                  <p:tgtEl>
+                    <p:sldTgt/>
+                  </p:tgtEl>
+                </p:cond>
+              </p:nextCondLst>
+            </p:seq>
+          </p:childTnLst>
+        </p:cTn>
+      </p:par>
+    </p:tnLst>
+  </p:timing>
+</p:sld>
+</file>
+
+<file path=ppt/slides/slide11.xml><?xml version="1.0" encoding="utf-8"?>
+<p:sld xmlns:a="http://schemas.openxmlformats.org/drawingml/2006/main" xmlns:r="http://schemas.openxmlformats.org/officeDocument/2006/relationships" xmlns:p="http://schemas.openxmlformats.org/presentationml/2006/main">
+  <p:cSld>
+    <p:bg>
+      <p:bgPr>
+        <a:solidFill>
+          <a:srgbClr val="00A7CE"/>
+        </a:solidFill>
+        <a:effectLst/>
+      </p:bgPr>
+    </p:bg>
+    <p:spTree>
+      <p:nvGrpSpPr>
+        <p:cNvPr id="1" name=""/>
+        <p:cNvGrpSpPr/>
+        <p:nvPr/>
+      </p:nvGrpSpPr>
+      <p:grpSpPr>
+        <a:xfrm>
+          <a:off x="0" y="0"/>
+          <a:ext cx="0" cy="0"/>
+          <a:chOff x="0" y="0"/>
+          <a:chExt cx="0" cy="0"/>
+        </a:xfrm>
+      </p:grpSpPr>
+      <p:grpSp>
+        <p:nvGrpSpPr>
+          <p:cNvPr id="7" name="그룹 6">
+            <a:extLst>
+              <a:ext uri="{FF2B5EF4-FFF2-40B4-BE49-F238E27FC236}">
+                <a16:creationId xmlns:a16="http://schemas.microsoft.com/office/drawing/2014/main" id="{2D51678F-8096-EA46-4C7B-AB6EC7754717}"/>
+              </a:ext>
+            </a:extLst>
+          </p:cNvPr>
+          <p:cNvGrpSpPr/>
+          <p:nvPr/>
+        </p:nvGrpSpPr>
+        <p:grpSpPr>
+          <a:xfrm>
+            <a:off x="-1175823" y="7627131"/>
+            <a:ext cx="20413591" cy="8946369"/>
+            <a:chOff x="-1175823" y="7521154"/>
+            <a:chExt cx="20413591" cy="8946369"/>
+          </a:xfrm>
+        </p:grpSpPr>
+        <p:pic>
+          <p:nvPicPr>
+            <p:cNvPr id="26" name="Object 24">
+              <a:extLst>
+                <a:ext uri="{FF2B5EF4-FFF2-40B4-BE49-F238E27FC236}">
+                  <a16:creationId xmlns:a16="http://schemas.microsoft.com/office/drawing/2014/main" id="{697B7B19-A389-2259-5E2B-C716EA39298E}"/>
+                </a:ext>
+              </a:extLst>
+            </p:cNvPr>
+            <p:cNvPicPr>
+              <a:picLocks noChangeAspect="1"/>
+            </p:cNvPicPr>
+            <p:nvPr/>
+          </p:nvPicPr>
+          <p:blipFill>
+            <a:blip r:embed="rId3" cstate="print"/>
+            <a:stretch>
+              <a:fillRect/>
+            </a:stretch>
+          </p:blipFill>
+          <p:spPr>
+            <a:xfrm>
+              <a:off x="-1175823" y="8200019"/>
+              <a:ext cx="20413591" cy="8267504"/>
+            </a:xfrm>
+            <a:prstGeom prst="rect">
+              <a:avLst/>
+            </a:prstGeom>
+          </p:spPr>
+        </p:pic>
+        <p:grpSp>
+          <p:nvGrpSpPr>
+            <p:cNvPr id="27" name="그룹 1009">
+              <a:extLst>
+                <a:ext uri="{FF2B5EF4-FFF2-40B4-BE49-F238E27FC236}">
+                  <a16:creationId xmlns:a16="http://schemas.microsoft.com/office/drawing/2014/main" id="{7B37F191-121D-2617-C232-8B4AD249E634}"/>
+                </a:ext>
+              </a:extLst>
+            </p:cNvPr>
+            <p:cNvGrpSpPr/>
+            <p:nvPr/>
+          </p:nvGrpSpPr>
+          <p:grpSpPr>
+            <a:xfrm>
+              <a:off x="237518" y="7521154"/>
+              <a:ext cx="1240666" cy="2812179"/>
+              <a:chOff x="237518" y="7521154"/>
+              <a:chExt cx="1240666" cy="2812179"/>
+            </a:xfrm>
+          </p:grpSpPr>
+          <p:pic>
+            <p:nvPicPr>
+              <p:cNvPr id="28" name="Object 27">
+                <a:extLst>
+                  <a:ext uri="{FF2B5EF4-FFF2-40B4-BE49-F238E27FC236}">
+                    <a16:creationId xmlns:a16="http://schemas.microsoft.com/office/drawing/2014/main" id="{F63FBAE4-E865-811D-97E0-9E3C9CEBBC77}"/>
+                  </a:ext>
+                </a:extLst>
+              </p:cNvPr>
+              <p:cNvPicPr>
+                <a:picLocks noChangeAspect="1"/>
+              </p:cNvPicPr>
+              <p:nvPr/>
+            </p:nvPicPr>
+            <p:blipFill>
+              <a:blip r:embed="rId4" cstate="print"/>
+              <a:stretch>
+                <a:fillRect/>
+              </a:stretch>
+            </p:blipFill>
+            <p:spPr>
+              <a:xfrm>
+                <a:off x="237518" y="7521154"/>
+                <a:ext cx="1240666" cy="2812179"/>
+              </a:xfrm>
+              <a:prstGeom prst="rect">
+                <a:avLst/>
+              </a:prstGeom>
+            </p:spPr>
+          </p:pic>
+        </p:grpSp>
+        <p:grpSp>
+          <p:nvGrpSpPr>
+            <p:cNvPr id="29" name="그룹 1010">
+              <a:extLst>
+                <a:ext uri="{FF2B5EF4-FFF2-40B4-BE49-F238E27FC236}">
+                  <a16:creationId xmlns:a16="http://schemas.microsoft.com/office/drawing/2014/main" id="{A7847606-C0F3-D780-C402-1F546185F550}"/>
+                </a:ext>
+              </a:extLst>
+            </p:cNvPr>
+            <p:cNvGrpSpPr/>
+            <p:nvPr/>
+          </p:nvGrpSpPr>
+          <p:grpSpPr>
+            <a:xfrm>
+              <a:off x="15638846" y="8999019"/>
+              <a:ext cx="417344" cy="1262886"/>
+              <a:chOff x="15638846" y="8999019"/>
+              <a:chExt cx="417344" cy="1262886"/>
+            </a:xfrm>
+          </p:grpSpPr>
+          <p:pic>
+            <p:nvPicPr>
+              <p:cNvPr id="30" name="Object 30">
+                <a:extLst>
+                  <a:ext uri="{FF2B5EF4-FFF2-40B4-BE49-F238E27FC236}">
+                    <a16:creationId xmlns:a16="http://schemas.microsoft.com/office/drawing/2014/main" id="{AA60CE6A-89E1-442F-D4E1-6BBDC6570164}"/>
+                  </a:ext>
+                </a:extLst>
+              </p:cNvPr>
+              <p:cNvPicPr>
+                <a:picLocks noChangeAspect="1"/>
+              </p:cNvPicPr>
+              <p:nvPr/>
+            </p:nvPicPr>
+            <p:blipFill>
+              <a:blip r:embed="rId5" cstate="print"/>
+              <a:stretch>
+                <a:fillRect/>
+              </a:stretch>
+            </p:blipFill>
+            <p:spPr>
+              <a:xfrm>
+                <a:off x="15638846" y="8999019"/>
+                <a:ext cx="417344" cy="1262886"/>
+              </a:xfrm>
+              <a:prstGeom prst="rect">
+                <a:avLst/>
+              </a:prstGeom>
+            </p:spPr>
+          </p:pic>
+        </p:grpSp>
+        <p:grpSp>
+          <p:nvGrpSpPr>
+            <p:cNvPr id="31" name="그룹 1011">
+              <a:extLst>
+                <a:ext uri="{FF2B5EF4-FFF2-40B4-BE49-F238E27FC236}">
+                  <a16:creationId xmlns:a16="http://schemas.microsoft.com/office/drawing/2014/main" id="{EA26B4AF-4BDB-CF32-E9A6-4B238DAD2ED5}"/>
+                </a:ext>
+              </a:extLst>
+            </p:cNvPr>
+            <p:cNvGrpSpPr/>
+            <p:nvPr/>
+          </p:nvGrpSpPr>
+          <p:grpSpPr>
+            <a:xfrm>
+              <a:off x="1501993" y="9236132"/>
+              <a:ext cx="1262886" cy="1262886"/>
+              <a:chOff x="1501993" y="9236132"/>
+              <a:chExt cx="1262886" cy="1262886"/>
+            </a:xfrm>
+          </p:grpSpPr>
+          <p:pic>
+            <p:nvPicPr>
+              <p:cNvPr id="32" name="Object 33">
+                <a:extLst>
+                  <a:ext uri="{FF2B5EF4-FFF2-40B4-BE49-F238E27FC236}">
+                    <a16:creationId xmlns:a16="http://schemas.microsoft.com/office/drawing/2014/main" id="{BB097094-6720-16DA-0259-46A9B838A775}"/>
+                  </a:ext>
+                </a:extLst>
+              </p:cNvPr>
+              <p:cNvPicPr>
+                <a:picLocks noChangeAspect="1"/>
+              </p:cNvPicPr>
+              <p:nvPr/>
+            </p:nvPicPr>
+            <p:blipFill>
+              <a:blip r:embed="rId6" cstate="print"/>
+              <a:stretch>
+                <a:fillRect/>
+              </a:stretch>
+            </p:blipFill>
+            <p:spPr>
+              <a:xfrm>
+                <a:off x="1501993" y="9236132"/>
+                <a:ext cx="1262886" cy="1262886"/>
+              </a:xfrm>
+              <a:prstGeom prst="rect">
+                <a:avLst/>
+              </a:prstGeom>
+            </p:spPr>
+          </p:pic>
+        </p:grpSp>
+        <p:grpSp>
+          <p:nvGrpSpPr>
+            <p:cNvPr id="33" name="그룹 1012">
+              <a:extLst>
+                <a:ext uri="{FF2B5EF4-FFF2-40B4-BE49-F238E27FC236}">
+                  <a16:creationId xmlns:a16="http://schemas.microsoft.com/office/drawing/2014/main" id="{86514D77-AD27-CE56-FC71-3E11EF20F331}"/>
+                </a:ext>
+              </a:extLst>
+            </p:cNvPr>
+            <p:cNvGrpSpPr/>
+            <p:nvPr/>
+          </p:nvGrpSpPr>
+          <p:grpSpPr>
+            <a:xfrm>
+              <a:off x="16056189" y="8255180"/>
+              <a:ext cx="2078154" cy="2078154"/>
+              <a:chOff x="16056189" y="8255180"/>
+              <a:chExt cx="2078154" cy="2078154"/>
+            </a:xfrm>
+          </p:grpSpPr>
+          <p:pic>
+            <p:nvPicPr>
+              <p:cNvPr id="34" name="Object 36">
+                <a:extLst>
+                  <a:ext uri="{FF2B5EF4-FFF2-40B4-BE49-F238E27FC236}">
+                    <a16:creationId xmlns:a16="http://schemas.microsoft.com/office/drawing/2014/main" id="{C835867F-A473-EF5F-1AB5-FA5813B6BB24}"/>
+                  </a:ext>
+                </a:extLst>
+              </p:cNvPr>
+              <p:cNvPicPr>
+                <a:picLocks noChangeAspect="1"/>
+              </p:cNvPicPr>
+              <p:nvPr/>
+            </p:nvPicPr>
+            <p:blipFill>
+              <a:blip r:embed="rId7" cstate="print"/>
+              <a:stretch>
+                <a:fillRect/>
+              </a:stretch>
+            </p:blipFill>
+            <p:spPr>
+              <a:xfrm>
+                <a:off x="16056189" y="8255180"/>
+                <a:ext cx="2078154" cy="2078154"/>
+              </a:xfrm>
+              <a:prstGeom prst="rect">
+                <a:avLst/>
+              </a:prstGeom>
+            </p:spPr>
+          </p:pic>
+        </p:grpSp>
+        <p:grpSp>
+          <p:nvGrpSpPr>
+            <p:cNvPr id="35" name="그룹 1013">
+              <a:extLst>
+                <a:ext uri="{FF2B5EF4-FFF2-40B4-BE49-F238E27FC236}">
+                  <a16:creationId xmlns:a16="http://schemas.microsoft.com/office/drawing/2014/main" id="{74581E86-DD80-46AB-C3DE-ED00E2173480}"/>
+                </a:ext>
+              </a:extLst>
+            </p:cNvPr>
+            <p:cNvGrpSpPr/>
+            <p:nvPr/>
+          </p:nvGrpSpPr>
+          <p:grpSpPr>
+            <a:xfrm>
+              <a:off x="3092008" y="8989759"/>
+              <a:ext cx="1116574" cy="1248336"/>
+              <a:chOff x="3092008" y="8989759"/>
+              <a:chExt cx="1116574" cy="1248336"/>
+            </a:xfrm>
+          </p:grpSpPr>
+          <p:pic>
+            <p:nvPicPr>
+              <p:cNvPr id="36" name="Object 39">
+                <a:extLst>
+                  <a:ext uri="{FF2B5EF4-FFF2-40B4-BE49-F238E27FC236}">
+                    <a16:creationId xmlns:a16="http://schemas.microsoft.com/office/drawing/2014/main" id="{8DE479E8-03CB-C495-27D3-1B4E9CE9CC3C}"/>
+                  </a:ext>
+                </a:extLst>
+              </p:cNvPr>
+              <p:cNvPicPr>
+                <a:picLocks noChangeAspect="1"/>
+              </p:cNvPicPr>
+              <p:nvPr/>
+            </p:nvPicPr>
+            <p:blipFill>
+              <a:blip r:embed="rId8" cstate="print"/>
+              <a:stretch>
+                <a:fillRect/>
+              </a:stretch>
+            </p:blipFill>
+            <p:spPr>
+              <a:xfrm>
+                <a:off x="3092008" y="8989759"/>
+                <a:ext cx="1116574" cy="1248336"/>
+              </a:xfrm>
+              <a:prstGeom prst="rect">
+                <a:avLst/>
+              </a:prstGeom>
+            </p:spPr>
+          </p:pic>
+        </p:grpSp>
+      </p:grpSp>
+      <p:pic>
+        <p:nvPicPr>
+          <p:cNvPr id="8" name="Object 22">
+            <a:extLst>
+              <a:ext uri="{FF2B5EF4-FFF2-40B4-BE49-F238E27FC236}">
+                <a16:creationId xmlns:a16="http://schemas.microsoft.com/office/drawing/2014/main" id="{E491D485-250C-BD14-47CC-9646DE75B551}"/>
+              </a:ext>
+            </a:extLst>
+          </p:cNvPr>
+          <p:cNvPicPr>
+            <a:picLocks noChangeAspect="1"/>
+          </p:cNvPicPr>
+          <p:nvPr/>
+        </p:nvPicPr>
+        <p:blipFill>
+          <a:blip r:embed="rId9" cstate="print"/>
+          <a:stretch>
+            <a:fillRect/>
+          </a:stretch>
+        </p:blipFill>
+        <p:spPr>
+          <a:xfrm>
+            <a:off x="437916" y="320967"/>
+            <a:ext cx="950408" cy="1066627"/>
+          </a:xfrm>
+          <a:prstGeom prst="rect">
+            <a:avLst/>
+          </a:prstGeom>
+        </p:spPr>
+      </p:pic>
+      <p:pic>
+        <p:nvPicPr>
+          <p:cNvPr id="9" name="Object 24">
+            <a:extLst>
+              <a:ext uri="{FF2B5EF4-FFF2-40B4-BE49-F238E27FC236}">
+                <a16:creationId xmlns:a16="http://schemas.microsoft.com/office/drawing/2014/main" id="{249650B6-12AE-3B59-60B7-7326DFA4CA7D}"/>
+              </a:ext>
+            </a:extLst>
+          </p:cNvPr>
+          <p:cNvPicPr>
+            <a:picLocks noChangeAspect="1"/>
+          </p:cNvPicPr>
+          <p:nvPr/>
+        </p:nvPicPr>
+        <p:blipFill>
+          <a:blip r:embed="rId10" cstate="print"/>
+          <a:stretch>
+            <a:fillRect/>
+          </a:stretch>
+        </p:blipFill>
+        <p:spPr>
+          <a:xfrm>
+            <a:off x="1206621" y="551865"/>
+            <a:ext cx="1523773" cy="657125"/>
+          </a:xfrm>
+          <a:prstGeom prst="rect">
+            <a:avLst/>
+          </a:prstGeom>
+        </p:spPr>
+      </p:pic>
       <p:sp>
         <p:nvSpPr>
           <p:cNvPr id="4" name="TextBox 3"/>
@@ -9838,11 +11437,11 @@
           <a:lstStyle/>
           <a:p>
             <a:r>
-              <a:rPr lang="ko-KR" altLang="en-US" sz="6000" dirty="0" smtClean="0"/>
+              <a:rPr lang="ko-KR" altLang="en-US" sz="6000" dirty="0"/>
               <a:t>영상 넣고 싶은 페이지에 이 슬라이드를 놔주세요</a:t>
             </a:r>
             <a:r>
-              <a:rPr lang="en-US" altLang="ko-KR" sz="6000" dirty="0" smtClean="0"/>
+              <a:rPr lang="en-US" altLang="ko-KR" sz="6000" dirty="0"/>
               <a:t>!</a:t>
             </a:r>
             <a:endParaRPr lang="ko-KR" altLang="en-US" sz="6000" dirty="0"/>
@@ -9862,17 +11461,10 @@
   <p:transition spd="slow">
     <p:push dir="r"/>
   </p:transition>
-  <p:timing>
-    <p:tnLst>
-      <p:par>
-        <p:cTn id="1" dur="indefinite" restart="never" nodeType="tmRoot"/>
-      </p:par>
-    </p:tnLst>
-  </p:timing>
 </p:sld>
 </file>
 
-<file path=ppt/slides/slide11.xml><?xml version="1.0" encoding="utf-8"?>
+<file path=ppt/slides/slide12.xml><?xml version="1.0" encoding="utf-8"?>
 <p:sld xmlns:a="http://schemas.openxmlformats.org/drawingml/2006/main" xmlns:r="http://schemas.openxmlformats.org/officeDocument/2006/relationships" xmlns:p="http://schemas.openxmlformats.org/presentationml/2006/main">
   <p:cSld>
     <p:bg>
@@ -10638,7 +12230,7 @@
 </p:sld>
 </file>
 
-<file path=ppt/slides/slide12.xml><?xml version="1.0" encoding="utf-8"?>
+<file path=ppt/slides/slide13.xml><?xml version="1.0" encoding="utf-8"?>
 <p:sld xmlns:a="http://schemas.openxmlformats.org/drawingml/2006/main" xmlns:r="http://schemas.openxmlformats.org/officeDocument/2006/relationships" xmlns:p="http://schemas.openxmlformats.org/presentationml/2006/main">
   <p:cSld>
     <p:bg>
@@ -11145,17 +12737,10 @@
   <p:transition spd="slow">
     <p:push dir="r"/>
   </p:transition>
-  <p:timing>
-    <p:tnLst>
-      <p:par>
-        <p:cTn id="1" dur="indefinite" restart="never" nodeType="tmRoot"/>
-      </p:par>
-    </p:tnLst>
-  </p:timing>
 </p:sld>
 </file>
 
-<file path=ppt/slides/slide13.xml><?xml version="1.0" encoding="utf-8"?>
+<file path=ppt/slides/slide14.xml><?xml version="1.0" encoding="utf-8"?>
 <p:sld xmlns:a="http://schemas.openxmlformats.org/drawingml/2006/main" xmlns:r="http://schemas.openxmlformats.org/officeDocument/2006/relationships" xmlns:p="http://schemas.openxmlformats.org/presentationml/2006/main">
   <p:cSld>
     <p:bg>
@@ -12822,7 +14407,7 @@
 </p:sld>
 </file>
 
-<file path=ppt/slides/slide14.xml><?xml version="1.0" encoding="utf-8"?>
+<file path=ppt/slides/slide15.xml><?xml version="1.0" encoding="utf-8"?>
 <p:sld xmlns:a="http://schemas.openxmlformats.org/drawingml/2006/main" xmlns:r="http://schemas.openxmlformats.org/officeDocument/2006/relationships" xmlns:p="http://schemas.openxmlformats.org/presentationml/2006/main">
   <p:cSld>
     <p:bg>
@@ -13674,7 +15259,7 @@
 </p:sld>
 </file>
 
-<file path=ppt/slides/slide15.xml><?xml version="1.0" encoding="utf-8"?>
+<file path=ppt/slides/slide16.xml><?xml version="1.0" encoding="utf-8"?>
 <p:sld xmlns:a="http://schemas.openxmlformats.org/drawingml/2006/main" xmlns:r="http://schemas.openxmlformats.org/officeDocument/2006/relationships" xmlns:p="http://schemas.openxmlformats.org/presentationml/2006/main">
   <p:cSld>
     <p:bg>
@@ -14573,7 +16158,7 @@
 </p:sld>
 </file>
 
-<file path=ppt/slides/slide16.xml><?xml version="1.0" encoding="utf-8"?>
+<file path=ppt/slides/slide17.xml><?xml version="1.0" encoding="utf-8"?>
 <p:sld xmlns:a="http://schemas.openxmlformats.org/drawingml/2006/main" xmlns:r="http://schemas.openxmlformats.org/officeDocument/2006/relationships" xmlns:p="http://schemas.openxmlformats.org/presentationml/2006/main">
   <p:cSld>
     <p:bg>
@@ -15522,717 +17107,6 @@
         </p:cTn>
       </p:par>
     </p:tnLst>
-  </p:timing>
-</p:sld>
-</file>
-
-<file path=ppt/slides/slide17.xml><?xml version="1.0" encoding="utf-8"?>
-<p:sld xmlns:a="http://schemas.openxmlformats.org/drawingml/2006/main" xmlns:r="http://schemas.openxmlformats.org/officeDocument/2006/relationships" xmlns:p="http://schemas.openxmlformats.org/presentationml/2006/main">
-  <p:cSld>
-    <p:bg>
-      <p:bgPr>
-        <a:solidFill>
-          <a:srgbClr val="00A7CE"/>
-        </a:solidFill>
-        <a:effectLst/>
-      </p:bgPr>
-    </p:bg>
-    <p:spTree>
-      <p:nvGrpSpPr>
-        <p:cNvPr id="1" name=""/>
-        <p:cNvGrpSpPr/>
-        <p:nvPr/>
-      </p:nvGrpSpPr>
-      <p:grpSpPr>
-        <a:xfrm>
-          <a:off x="0" y="0"/>
-          <a:ext cx="0" cy="0"/>
-          <a:chOff x="0" y="0"/>
-          <a:chExt cx="0" cy="0"/>
-        </a:xfrm>
-      </p:grpSpPr>
-      <p:grpSp>
-        <p:nvGrpSpPr>
-          <p:cNvPr id="56" name="그룹 1001">
-            <a:extLst>
-              <a:ext uri="{FF2B5EF4-FFF2-40B4-BE49-F238E27FC236}">
-                <a16:creationId xmlns:a16="http://schemas.microsoft.com/office/drawing/2014/main" id="{52740C8D-7DF6-CC81-FCE8-60F4D78940E0}"/>
-              </a:ext>
-            </a:extLst>
-          </p:cNvPr>
-          <p:cNvGrpSpPr/>
-          <p:nvPr/>
-        </p:nvGrpSpPr>
-        <p:grpSpPr>
-          <a:xfrm>
-            <a:off x="-35169" y="-5850834"/>
-            <a:ext cx="18538134" cy="18538134"/>
-            <a:chOff x="0" y="5142857"/>
-            <a:chExt cx="18538134" cy="18538134"/>
-          </a:xfrm>
-        </p:grpSpPr>
-        <p:pic>
-          <p:nvPicPr>
-            <p:cNvPr id="57" name="Object 2">
-              <a:extLst>
-                <a:ext uri="{FF2B5EF4-FFF2-40B4-BE49-F238E27FC236}">
-                  <a16:creationId xmlns:a16="http://schemas.microsoft.com/office/drawing/2014/main" id="{4F08FC7E-EE4E-2988-4E7F-BF92BDF4E016}"/>
-                </a:ext>
-              </a:extLst>
-            </p:cNvPr>
-            <p:cNvPicPr>
-              <a:picLocks noChangeAspect="1"/>
-            </p:cNvPicPr>
-            <p:nvPr/>
-          </p:nvPicPr>
-          <p:blipFill>
-            <a:blip r:embed="rId3" cstate="print"/>
-            <a:stretch>
-              <a:fillRect/>
-            </a:stretch>
-          </p:blipFill>
-          <p:spPr>
-            <a:xfrm>
-              <a:off x="0" y="5142857"/>
-              <a:ext cx="18538134" cy="18538134"/>
-            </a:xfrm>
-            <a:prstGeom prst="rect">
-              <a:avLst/>
-            </a:prstGeom>
-          </p:spPr>
-        </p:pic>
-      </p:grpSp>
-      <p:pic>
-        <p:nvPicPr>
-          <p:cNvPr id="58" name="Object 4"/>
-          <p:cNvPicPr>
-            <a:picLocks noChangeAspect="1"/>
-          </p:cNvPicPr>
-          <p:nvPr/>
-        </p:nvPicPr>
-        <p:blipFill>
-          <a:blip r:embed="rId4" cstate="print"/>
-          <a:stretch>
-            <a:fillRect/>
-          </a:stretch>
-        </p:blipFill>
-        <p:spPr>
-          <a:xfrm>
-            <a:off x="1197097" y="513770"/>
-            <a:ext cx="1337583" cy="698402"/>
-          </a:xfrm>
-          <a:prstGeom prst="rect">
-            <a:avLst/>
-          </a:prstGeom>
-        </p:spPr>
-      </p:pic>
-      <p:pic>
-        <p:nvPicPr>
-          <p:cNvPr id="59" name="Object 5"/>
-          <p:cNvPicPr>
-            <a:picLocks noChangeAspect="1"/>
-          </p:cNvPicPr>
-          <p:nvPr/>
-        </p:nvPicPr>
-        <p:blipFill>
-          <a:blip r:embed="rId5" cstate="print"/>
-          <a:stretch>
-            <a:fillRect/>
-          </a:stretch>
-        </p:blipFill>
-        <p:spPr>
-          <a:xfrm>
-            <a:off x="437916" y="320966"/>
-            <a:ext cx="912312" cy="1066627"/>
-          </a:xfrm>
-          <a:prstGeom prst="rect">
-            <a:avLst/>
-          </a:prstGeom>
-        </p:spPr>
-      </p:pic>
-      <p:sp>
-        <p:nvSpPr>
-          <p:cNvPr id="10" name="사각형: 둥근 모서리 9">
-            <a:extLst>
-              <a:ext uri="{FF2B5EF4-FFF2-40B4-BE49-F238E27FC236}">
-                <a16:creationId xmlns:a16="http://schemas.microsoft.com/office/drawing/2014/main" id="{5D95796F-2300-9119-448D-0CE3AD88D259}"/>
-              </a:ext>
-            </a:extLst>
-          </p:cNvPr>
-          <p:cNvSpPr/>
-          <p:nvPr/>
-        </p:nvSpPr>
-        <p:spPr>
-          <a:xfrm>
-            <a:off x="2755318" y="1943100"/>
-            <a:ext cx="12691707" cy="7582183"/>
-          </a:xfrm>
-          <a:prstGeom prst="roundRect">
-            <a:avLst/>
-          </a:prstGeom>
-          <a:solidFill>
-            <a:schemeClr val="bg1"/>
-          </a:solidFill>
-          <a:ln>
-            <a:noFill/>
-          </a:ln>
-        </p:spPr>
-        <p:style>
-          <a:lnRef idx="2">
-            <a:schemeClr val="accent1">
-              <a:shade val="15000"/>
-            </a:schemeClr>
-          </a:lnRef>
-          <a:fillRef idx="1">
-            <a:schemeClr val="accent1"/>
-          </a:fillRef>
-          <a:effectRef idx="0">
-            <a:schemeClr val="accent1"/>
-          </a:effectRef>
-          <a:fontRef idx="minor">
-            <a:schemeClr val="lt1"/>
-          </a:fontRef>
-        </p:style>
-        <p:txBody>
-          <a:bodyPr rtlCol="0" anchor="ctr"/>
-          <a:lstStyle/>
-          <a:p>
-            <a:pPr algn="ctr"/>
-            <a:endParaRPr lang="ko-KR" altLang="en-US" dirty="0"/>
-          </a:p>
-        </p:txBody>
-      </p:sp>
-      <p:grpSp>
-        <p:nvGrpSpPr>
-          <p:cNvPr id="15" name="그룹 1004">
-            <a:extLst>
-              <a:ext uri="{FF2B5EF4-FFF2-40B4-BE49-F238E27FC236}">
-                <a16:creationId xmlns:a16="http://schemas.microsoft.com/office/drawing/2014/main" id="{03E98837-0A10-6672-6141-264551BE0F4F}"/>
-              </a:ext>
-            </a:extLst>
-          </p:cNvPr>
-          <p:cNvGrpSpPr/>
-          <p:nvPr/>
-        </p:nvGrpSpPr>
-        <p:grpSpPr>
-          <a:xfrm>
-            <a:off x="6679903" y="3274904"/>
-            <a:ext cx="2299769" cy="2271201"/>
-            <a:chOff x="6550004" y="2756216"/>
-            <a:chExt cx="2299769" cy="2271201"/>
-          </a:xfrm>
-        </p:grpSpPr>
-        <p:pic>
-          <p:nvPicPr>
-            <p:cNvPr id="38" name="Object 11">
-              <a:extLst>
-                <a:ext uri="{FF2B5EF4-FFF2-40B4-BE49-F238E27FC236}">
-                  <a16:creationId xmlns:a16="http://schemas.microsoft.com/office/drawing/2014/main" id="{5DA17649-8A11-FAD4-7B55-2B20D2DC348C}"/>
-                </a:ext>
-              </a:extLst>
-            </p:cNvPr>
-            <p:cNvPicPr>
-              <a:picLocks noChangeAspect="1"/>
-            </p:cNvPicPr>
-            <p:nvPr/>
-          </p:nvPicPr>
-          <p:blipFill>
-            <a:blip r:embed="rId6" cstate="print"/>
-            <a:stretch>
-              <a:fillRect/>
-            </a:stretch>
-          </p:blipFill>
-          <p:spPr>
-            <a:xfrm>
-              <a:off x="6550004" y="2756216"/>
-              <a:ext cx="2299769" cy="2271201"/>
-            </a:xfrm>
-            <a:prstGeom prst="rect">
-              <a:avLst/>
-            </a:prstGeom>
-          </p:spPr>
-        </p:pic>
-      </p:grpSp>
-      <p:grpSp>
-        <p:nvGrpSpPr>
-          <p:cNvPr id="39" name="그룹 1005">
-            <a:extLst>
-              <a:ext uri="{FF2B5EF4-FFF2-40B4-BE49-F238E27FC236}">
-                <a16:creationId xmlns:a16="http://schemas.microsoft.com/office/drawing/2014/main" id="{E621C3A5-7A5C-B199-F70B-D6AC6FB93684}"/>
-              </a:ext>
-            </a:extLst>
-          </p:cNvPr>
-          <p:cNvGrpSpPr/>
-          <p:nvPr/>
-        </p:nvGrpSpPr>
-        <p:grpSpPr>
-          <a:xfrm>
-            <a:off x="5387711" y="7074916"/>
-            <a:ext cx="2105099" cy="2030450"/>
-            <a:chOff x="5257812" y="6556228"/>
-            <a:chExt cx="2105099" cy="2030450"/>
-          </a:xfrm>
-        </p:grpSpPr>
-        <p:pic>
-          <p:nvPicPr>
-            <p:cNvPr id="40" name="Object 14">
-              <a:extLst>
-                <a:ext uri="{FF2B5EF4-FFF2-40B4-BE49-F238E27FC236}">
-                  <a16:creationId xmlns:a16="http://schemas.microsoft.com/office/drawing/2014/main" id="{9BAC34B8-0774-128F-C2D6-7C48785B6912}"/>
-                </a:ext>
-              </a:extLst>
-            </p:cNvPr>
-            <p:cNvPicPr>
-              <a:picLocks noChangeAspect="1"/>
-            </p:cNvPicPr>
-            <p:nvPr/>
-          </p:nvPicPr>
-          <p:blipFill>
-            <a:blip r:embed="rId7" cstate="print"/>
-            <a:stretch>
-              <a:fillRect/>
-            </a:stretch>
-          </p:blipFill>
-          <p:spPr>
-            <a:xfrm>
-              <a:off x="5257812" y="6556228"/>
-              <a:ext cx="2105099" cy="2030450"/>
-            </a:xfrm>
-            <a:prstGeom prst="rect">
-              <a:avLst/>
-            </a:prstGeom>
-          </p:spPr>
-        </p:pic>
-      </p:grpSp>
-      <p:grpSp>
-        <p:nvGrpSpPr>
-          <p:cNvPr id="41" name="그룹 1006">
-            <a:extLst>
-              <a:ext uri="{FF2B5EF4-FFF2-40B4-BE49-F238E27FC236}">
-                <a16:creationId xmlns:a16="http://schemas.microsoft.com/office/drawing/2014/main" id="{966D10AD-1207-C90D-C5F0-23B925631C8E}"/>
-              </a:ext>
-            </a:extLst>
-          </p:cNvPr>
-          <p:cNvGrpSpPr/>
-          <p:nvPr/>
-        </p:nvGrpSpPr>
-        <p:grpSpPr>
-          <a:xfrm>
-            <a:off x="4501599" y="2476396"/>
-            <a:ext cx="1772225" cy="2200990"/>
-            <a:chOff x="4371700" y="1957708"/>
-            <a:chExt cx="1772225" cy="2200990"/>
-          </a:xfrm>
-        </p:grpSpPr>
-        <p:pic>
-          <p:nvPicPr>
-            <p:cNvPr id="42" name="Object 17">
-              <a:extLst>
-                <a:ext uri="{FF2B5EF4-FFF2-40B4-BE49-F238E27FC236}">
-                  <a16:creationId xmlns:a16="http://schemas.microsoft.com/office/drawing/2014/main" id="{ECF85601-A997-791D-1787-0A8EEE7F7A34}"/>
-                </a:ext>
-              </a:extLst>
-            </p:cNvPr>
-            <p:cNvPicPr>
-              <a:picLocks noChangeAspect="1"/>
-            </p:cNvPicPr>
-            <p:nvPr/>
-          </p:nvPicPr>
-          <p:blipFill>
-            <a:blip r:embed="rId8" cstate="print"/>
-            <a:stretch>
-              <a:fillRect/>
-            </a:stretch>
-          </p:blipFill>
-          <p:spPr>
-            <a:xfrm>
-              <a:off x="4371700" y="1957708"/>
-              <a:ext cx="1772225" cy="2200990"/>
-            </a:xfrm>
-            <a:prstGeom prst="rect">
-              <a:avLst/>
-            </a:prstGeom>
-          </p:spPr>
-        </p:pic>
-      </p:grpSp>
-      <p:grpSp>
-        <p:nvGrpSpPr>
-          <p:cNvPr id="43" name="그룹 1007">
-            <a:extLst>
-              <a:ext uri="{FF2B5EF4-FFF2-40B4-BE49-F238E27FC236}">
-                <a16:creationId xmlns:a16="http://schemas.microsoft.com/office/drawing/2014/main" id="{7E422577-3157-7790-8F42-1568515E0A72}"/>
-              </a:ext>
-            </a:extLst>
-          </p:cNvPr>
-          <p:cNvGrpSpPr/>
-          <p:nvPr/>
-        </p:nvGrpSpPr>
-        <p:grpSpPr>
-          <a:xfrm>
-            <a:off x="12605992" y="5865117"/>
-            <a:ext cx="2293962" cy="1727218"/>
-            <a:chOff x="12476093" y="5346429"/>
-            <a:chExt cx="2293962" cy="1727218"/>
-          </a:xfrm>
-        </p:grpSpPr>
-        <p:pic>
-          <p:nvPicPr>
-            <p:cNvPr id="44" name="Object 20">
-              <a:extLst>
-                <a:ext uri="{FF2B5EF4-FFF2-40B4-BE49-F238E27FC236}">
-                  <a16:creationId xmlns:a16="http://schemas.microsoft.com/office/drawing/2014/main" id="{AC0B5348-FC50-0EF7-4436-0BDBDED86352}"/>
-                </a:ext>
-              </a:extLst>
-            </p:cNvPr>
-            <p:cNvPicPr>
-              <a:picLocks noChangeAspect="1"/>
-            </p:cNvPicPr>
-            <p:nvPr/>
-          </p:nvPicPr>
-          <p:blipFill>
-            <a:blip r:embed="rId9" cstate="print"/>
-            <a:stretch>
-              <a:fillRect/>
-            </a:stretch>
-          </p:blipFill>
-          <p:spPr>
-            <a:xfrm>
-              <a:off x="12476093" y="5346429"/>
-              <a:ext cx="2293962" cy="1727218"/>
-            </a:xfrm>
-            <a:prstGeom prst="rect">
-              <a:avLst/>
-            </a:prstGeom>
-          </p:spPr>
-        </p:pic>
-      </p:grpSp>
-      <p:grpSp>
-        <p:nvGrpSpPr>
-          <p:cNvPr id="37" name="그룹 1002"/>
-          <p:cNvGrpSpPr/>
-          <p:nvPr/>
-        </p:nvGrpSpPr>
-        <p:grpSpPr>
-          <a:xfrm>
-            <a:off x="2764775" y="5448300"/>
-            <a:ext cx="12703825" cy="407143"/>
-            <a:chOff x="2613301" y="4939286"/>
-            <a:chExt cx="12703825" cy="407143"/>
-          </a:xfrm>
-        </p:grpSpPr>
-        <p:pic>
-          <p:nvPicPr>
-            <p:cNvPr id="49" name="Object 5"/>
-            <p:cNvPicPr>
-              <a:picLocks noChangeAspect="1"/>
-            </p:cNvPicPr>
-            <p:nvPr/>
-          </p:nvPicPr>
-          <p:blipFill>
-            <a:blip r:embed="rId10" cstate="print"/>
-            <a:stretch>
-              <a:fillRect/>
-            </a:stretch>
-          </p:blipFill>
-          <p:spPr>
-            <a:xfrm>
-              <a:off x="2613301" y="4939286"/>
-              <a:ext cx="12703825" cy="407143"/>
-            </a:xfrm>
-            <a:prstGeom prst="rect">
-              <a:avLst/>
-            </a:prstGeom>
-          </p:spPr>
-        </p:pic>
-      </p:grpSp>
-      <p:grpSp>
-        <p:nvGrpSpPr>
-          <p:cNvPr id="50" name="그룹 1003"/>
-          <p:cNvGrpSpPr/>
-          <p:nvPr/>
-        </p:nvGrpSpPr>
-        <p:grpSpPr>
-          <a:xfrm>
-            <a:off x="5469821" y="5547557"/>
-            <a:ext cx="7528961" cy="407143"/>
-            <a:chOff x="5318347" y="5038543"/>
-            <a:chExt cx="7528961" cy="407143"/>
-          </a:xfrm>
-        </p:grpSpPr>
-        <p:pic>
-          <p:nvPicPr>
-            <p:cNvPr id="51" name="Object 8"/>
-            <p:cNvPicPr>
-              <a:picLocks noChangeAspect="1"/>
-            </p:cNvPicPr>
-            <p:nvPr/>
-          </p:nvPicPr>
-          <p:blipFill>
-            <a:blip r:embed="rId11" cstate="print"/>
-            <a:stretch>
-              <a:fillRect/>
-            </a:stretch>
-          </p:blipFill>
-          <p:spPr>
-            <a:xfrm rot="-5400000">
-              <a:off x="5318347" y="5038543"/>
-              <a:ext cx="7528961" cy="407143"/>
-            </a:xfrm>
-            <a:prstGeom prst="rect">
-              <a:avLst/>
-            </a:prstGeom>
-          </p:spPr>
-        </p:pic>
-      </p:grpSp>
-      <p:sp>
-        <p:nvSpPr>
-          <p:cNvPr id="2" name="타원 1"/>
-          <p:cNvSpPr/>
-          <p:nvPr/>
-        </p:nvSpPr>
-        <p:spPr>
-          <a:xfrm>
-            <a:off x="12518375" y="5676900"/>
-            <a:ext cx="2645425" cy="2407894"/>
-          </a:xfrm>
-          <a:prstGeom prst="ellipse">
-            <a:avLst/>
-          </a:prstGeom>
-          <a:noFill/>
-          <a:ln w="76200">
-            <a:solidFill>
-              <a:srgbClr val="C00000"/>
-            </a:solidFill>
-          </a:ln>
-        </p:spPr>
-        <p:style>
-          <a:lnRef idx="2">
-            <a:schemeClr val="accent1">
-              <a:shade val="50000"/>
-            </a:schemeClr>
-          </a:lnRef>
-          <a:fillRef idx="1">
-            <a:schemeClr val="accent1"/>
-          </a:fillRef>
-          <a:effectRef idx="0">
-            <a:schemeClr val="accent1"/>
-          </a:effectRef>
-          <a:fontRef idx="minor">
-            <a:schemeClr val="lt1"/>
-          </a:fontRef>
-        </p:style>
-        <p:txBody>
-          <a:bodyPr rtlCol="0" anchor="ctr"/>
-          <a:lstStyle/>
-          <a:p>
-            <a:pPr algn="ctr"/>
-            <a:endParaRPr lang="ko-KR" altLang="en-US">
-              <a:ln w="76200">
-                <a:solidFill>
-                  <a:srgbClr val="FF0000"/>
-                </a:solidFill>
-              </a:ln>
-            </a:endParaRPr>
-          </a:p>
-        </p:txBody>
-      </p:sp>
-      <p:pic>
-        <p:nvPicPr>
-          <p:cNvPr id="52" name="Object 26"/>
-          <p:cNvPicPr>
-            <a:picLocks noChangeAspect="1"/>
-          </p:cNvPicPr>
-          <p:nvPr/>
-        </p:nvPicPr>
-        <p:blipFill>
-          <a:blip r:embed="rId12" cstate="print"/>
-          <a:stretch>
-            <a:fillRect/>
-          </a:stretch>
-        </p:blipFill>
-        <p:spPr>
-          <a:xfrm>
-            <a:off x="3051333" y="5482610"/>
-            <a:ext cx="2434992" cy="1072145"/>
-          </a:xfrm>
-          <a:prstGeom prst="rect">
-            <a:avLst/>
-          </a:prstGeom>
-        </p:spPr>
-      </p:pic>
-      <p:pic>
-        <p:nvPicPr>
-          <p:cNvPr id="53" name="Object 25"/>
-          <p:cNvPicPr>
-            <a:picLocks noChangeAspect="1"/>
-          </p:cNvPicPr>
-          <p:nvPr/>
-        </p:nvPicPr>
-        <p:blipFill>
-          <a:blip r:embed="rId13" cstate="print"/>
-          <a:stretch>
-            <a:fillRect/>
-          </a:stretch>
-        </p:blipFill>
-        <p:spPr>
-          <a:xfrm>
-            <a:off x="13118697" y="4868219"/>
-            <a:ext cx="2415945" cy="1072145"/>
-          </a:xfrm>
-          <a:prstGeom prst="rect">
-            <a:avLst/>
-          </a:prstGeom>
-        </p:spPr>
-      </p:pic>
-      <p:pic>
-        <p:nvPicPr>
-          <p:cNvPr id="54" name="Object 28"/>
-          <p:cNvPicPr>
-            <a:picLocks noChangeAspect="1"/>
-          </p:cNvPicPr>
-          <p:nvPr/>
-        </p:nvPicPr>
-        <p:blipFill>
-          <a:blip r:embed="rId14" cstate="print"/>
-          <a:stretch>
-            <a:fillRect/>
-          </a:stretch>
-        </p:blipFill>
-        <p:spPr>
-          <a:xfrm>
-            <a:off x="7854181" y="1136910"/>
-            <a:ext cx="2760240" cy="1072145"/>
-          </a:xfrm>
-          <a:prstGeom prst="rect">
-            <a:avLst/>
-          </a:prstGeom>
-        </p:spPr>
-      </p:pic>
-      <p:pic>
-        <p:nvPicPr>
-          <p:cNvPr id="55" name="Object 27"/>
-          <p:cNvPicPr>
-            <a:picLocks noChangeAspect="1"/>
-          </p:cNvPicPr>
-          <p:nvPr/>
-        </p:nvPicPr>
-        <p:blipFill>
-          <a:blip r:embed="rId15" cstate="print"/>
-          <a:stretch>
-            <a:fillRect/>
-          </a:stretch>
-        </p:blipFill>
-        <p:spPr>
-          <a:xfrm>
-            <a:off x="8411434" y="9365550"/>
-            <a:ext cx="2052878" cy="1072145"/>
-          </a:xfrm>
-          <a:prstGeom prst="rect">
-            <a:avLst/>
-          </a:prstGeom>
-        </p:spPr>
-      </p:pic>
-    </p:spTree>
-    <p:extLst>
-      <p:ext uri="{BB962C8B-B14F-4D97-AF65-F5344CB8AC3E}">
-        <p14:creationId xmlns:p14="http://schemas.microsoft.com/office/powerpoint/2010/main" val="4172981601"/>
-      </p:ext>
-    </p:extLst>
-  </p:cSld>
-  <p:clrMapOvr>
-    <a:masterClrMapping/>
-  </p:clrMapOvr>
-  <p:transition spd="slow">
-    <p:push dir="r"/>
-  </p:transition>
-  <p:timing>
-    <p:tnLst>
-      <p:par>
-        <p:cTn id="1" dur="indefinite" restart="never" nodeType="tmRoot">
-          <p:childTnLst>
-            <p:seq concurrent="1" nextAc="seek">
-              <p:cTn id="2" dur="indefinite" nodeType="mainSeq">
-                <p:childTnLst>
-                  <p:par>
-                    <p:cTn id="3" fill="hold">
-                      <p:stCondLst>
-                        <p:cond delay="indefinite"/>
-                        <p:cond evt="onBegin" delay="0">
-                          <p:tn val="2"/>
-                        </p:cond>
-                      </p:stCondLst>
-                      <p:childTnLst>
-                        <p:par>
-                          <p:cTn id="4" fill="hold">
-                            <p:stCondLst>
-                              <p:cond delay="0"/>
-                            </p:stCondLst>
-                            <p:childTnLst>
-                              <p:par>
-                                <p:cTn id="5" presetID="10" presetClass="entr" presetSubtype="0" fill="hold" grpId="0" nodeType="withEffect">
-                                  <p:stCondLst>
-                                    <p:cond delay="0"/>
-                                  </p:stCondLst>
-                                  <p:childTnLst>
-                                    <p:set>
-                                      <p:cBhvr>
-                                        <p:cTn id="6" dur="1" fill="hold">
-                                          <p:stCondLst>
-                                            <p:cond delay="0"/>
-                                          </p:stCondLst>
-                                        </p:cTn>
-                                        <p:tgtEl>
-                                          <p:spTgt spid="2"/>
-                                        </p:tgtEl>
-                                        <p:attrNameLst>
-                                          <p:attrName>style.visibility</p:attrName>
-                                        </p:attrNameLst>
-                                      </p:cBhvr>
-                                      <p:to>
-                                        <p:strVal val="visible"/>
-                                      </p:to>
-                                    </p:set>
-                                    <p:animEffect transition="in" filter="fade">
-                                      <p:cBhvr>
-                                        <p:cTn id="7" dur="1250"/>
-                                        <p:tgtEl>
-                                          <p:spTgt spid="2"/>
-                                        </p:tgtEl>
-                                      </p:cBhvr>
-                                    </p:animEffect>
-                                  </p:childTnLst>
-                                </p:cTn>
-                              </p:par>
-                            </p:childTnLst>
-                          </p:cTn>
-                        </p:par>
-                      </p:childTnLst>
-                    </p:cTn>
-                  </p:par>
-                </p:childTnLst>
-              </p:cTn>
-              <p:prevCondLst>
-                <p:cond evt="onPrev" delay="0">
-                  <p:tgtEl>
-                    <p:sldTgt/>
-                  </p:tgtEl>
-                </p:cond>
-              </p:prevCondLst>
-              <p:nextCondLst>
-                <p:cond evt="onNext" delay="0">
-                  <p:tgtEl>
-                    <p:sldTgt/>
-                  </p:tgtEl>
-                </p:cond>
-              </p:nextCondLst>
-            </p:seq>
-          </p:childTnLst>
-        </p:cTn>
-      </p:par>
-    </p:tnLst>
-    <p:bldLst>
-      <p:bldP spid="2" grpId="0" animBg="1"/>
-    </p:bldLst>
   </p:timing>
 </p:sld>
 </file>
@@ -17581,13 +18455,6 @@
   <p:transition spd="slow">
     <p:push dir="r"/>
   </p:transition>
-  <p:timing>
-    <p:tnLst>
-      <p:par>
-        <p:cTn id="1" dur="indefinite" restart="never" nodeType="tmRoot"/>
-      </p:par>
-    </p:tnLst>
-  </p:timing>
 </p:sld>
 </file>
 
@@ -19252,13 +20119,6 @@
   <p:transition spd="slow">
     <p:push dir="r"/>
   </p:transition>
-  <p:timing>
-    <p:tnLst>
-      <p:par>
-        <p:cTn id="1" dur="indefinite" restart="never" nodeType="tmRoot"/>
-      </p:par>
-    </p:tnLst>
-  </p:timing>
 </p:sld>
 </file>
 
@@ -23013,13 +23873,6 @@
   <p:transition spd="slow">
     <p:push dir="r"/>
   </p:transition>
-  <p:timing>
-    <p:tnLst>
-      <p:par>
-        <p:cTn id="1" dur="indefinite" restart="never" nodeType="tmRoot"/>
-      </p:par>
-    </p:tnLst>
-  </p:timing>
 </p:sld>
 </file>
 
@@ -23188,13 +24041,6 @@
   <p:transition spd="slow">
     <p:push dir="r"/>
   </p:transition>
-  <p:timing>
-    <p:tnLst>
-      <p:par>
-        <p:cTn id="1" dur="indefinite" restart="never" nodeType="tmRoot"/>
-      </p:par>
-    </p:tnLst>
-  </p:timing>
 </p:sld>
 </file>
 
@@ -23225,10 +24071,10 @@
       </p:grpSpPr>
       <p:grpSp>
         <p:nvGrpSpPr>
-          <p:cNvPr id="7" name="그룹 6">
+          <p:cNvPr id="56" name="그룹 1001">
             <a:extLst>
               <a:ext uri="{FF2B5EF4-FFF2-40B4-BE49-F238E27FC236}">
-                <a16:creationId xmlns:a16="http://schemas.microsoft.com/office/drawing/2014/main" id="{2D51678F-8096-EA46-4C7B-AB6EC7754717}"/>
+                <a16:creationId xmlns:a16="http://schemas.microsoft.com/office/drawing/2014/main" id="{52740C8D-7DF6-CC81-FCE8-60F4D78940E0}"/>
               </a:ext>
             </a:extLst>
           </p:cNvPr>
@@ -23237,18 +24083,18 @@
         </p:nvGrpSpPr>
         <p:grpSpPr>
           <a:xfrm>
-            <a:off x="-1175823" y="7627131"/>
-            <a:ext cx="20413591" cy="8946369"/>
-            <a:chOff x="-1175823" y="7521154"/>
-            <a:chExt cx="20413591" cy="8946369"/>
+            <a:off x="-35169" y="-5850834"/>
+            <a:ext cx="18538134" cy="18538134"/>
+            <a:chOff x="0" y="5142857"/>
+            <a:chExt cx="18538134" cy="18538134"/>
           </a:xfrm>
         </p:grpSpPr>
         <p:pic>
           <p:nvPicPr>
-            <p:cNvPr id="26" name="Object 24">
+            <p:cNvPr id="57" name="Object 2">
               <a:extLst>
                 <a:ext uri="{FF2B5EF4-FFF2-40B4-BE49-F238E27FC236}">
-                  <a16:creationId xmlns:a16="http://schemas.microsoft.com/office/drawing/2014/main" id="{697B7B19-A389-2259-5E2B-C716EA39298E}"/>
+                  <a16:creationId xmlns:a16="http://schemas.microsoft.com/office/drawing/2014/main" id="{4F08FC7E-EE4E-2988-4E7F-BF92BDF4E016}"/>
                 </a:ext>
               </a:extLst>
             </p:cNvPr>
@@ -23265,294 +24111,33 @@
           </p:blipFill>
           <p:spPr>
             <a:xfrm>
-              <a:off x="-1175823" y="8200019"/>
-              <a:ext cx="20413591" cy="8267504"/>
+              <a:off x="0" y="5142857"/>
+              <a:ext cx="18538134" cy="18538134"/>
             </a:xfrm>
             <a:prstGeom prst="rect">
               <a:avLst/>
             </a:prstGeom>
           </p:spPr>
         </p:pic>
-        <p:grpSp>
-          <p:nvGrpSpPr>
-            <p:cNvPr id="27" name="그룹 1009">
-              <a:extLst>
-                <a:ext uri="{FF2B5EF4-FFF2-40B4-BE49-F238E27FC236}">
-                  <a16:creationId xmlns:a16="http://schemas.microsoft.com/office/drawing/2014/main" id="{7B37F191-121D-2617-C232-8B4AD249E634}"/>
-                </a:ext>
-              </a:extLst>
-            </p:cNvPr>
-            <p:cNvGrpSpPr/>
-            <p:nvPr/>
-          </p:nvGrpSpPr>
-          <p:grpSpPr>
-            <a:xfrm>
-              <a:off x="237518" y="7521154"/>
-              <a:ext cx="1240666" cy="2812179"/>
-              <a:chOff x="237518" y="7521154"/>
-              <a:chExt cx="1240666" cy="2812179"/>
-            </a:xfrm>
-          </p:grpSpPr>
-          <p:pic>
-            <p:nvPicPr>
-              <p:cNvPr id="28" name="Object 27">
-                <a:extLst>
-                  <a:ext uri="{FF2B5EF4-FFF2-40B4-BE49-F238E27FC236}">
-                    <a16:creationId xmlns:a16="http://schemas.microsoft.com/office/drawing/2014/main" id="{F63FBAE4-E865-811D-97E0-9E3C9CEBBC77}"/>
-                  </a:ext>
-                </a:extLst>
-              </p:cNvPr>
-              <p:cNvPicPr>
-                <a:picLocks noChangeAspect="1"/>
-              </p:cNvPicPr>
-              <p:nvPr/>
-            </p:nvPicPr>
-            <p:blipFill>
-              <a:blip r:embed="rId4" cstate="print"/>
-              <a:stretch>
-                <a:fillRect/>
-              </a:stretch>
-            </p:blipFill>
-            <p:spPr>
-              <a:xfrm>
-                <a:off x="237518" y="7521154"/>
-                <a:ext cx="1240666" cy="2812179"/>
-              </a:xfrm>
-              <a:prstGeom prst="rect">
-                <a:avLst/>
-              </a:prstGeom>
-            </p:spPr>
-          </p:pic>
-        </p:grpSp>
-        <p:grpSp>
-          <p:nvGrpSpPr>
-            <p:cNvPr id="29" name="그룹 1010">
-              <a:extLst>
-                <a:ext uri="{FF2B5EF4-FFF2-40B4-BE49-F238E27FC236}">
-                  <a16:creationId xmlns:a16="http://schemas.microsoft.com/office/drawing/2014/main" id="{A7847606-C0F3-D780-C402-1F546185F550}"/>
-                </a:ext>
-              </a:extLst>
-            </p:cNvPr>
-            <p:cNvGrpSpPr/>
-            <p:nvPr/>
-          </p:nvGrpSpPr>
-          <p:grpSpPr>
-            <a:xfrm>
-              <a:off x="15638846" y="8999019"/>
-              <a:ext cx="417344" cy="1262886"/>
-              <a:chOff x="15638846" y="8999019"/>
-              <a:chExt cx="417344" cy="1262886"/>
-            </a:xfrm>
-          </p:grpSpPr>
-          <p:pic>
-            <p:nvPicPr>
-              <p:cNvPr id="30" name="Object 30">
-                <a:extLst>
-                  <a:ext uri="{FF2B5EF4-FFF2-40B4-BE49-F238E27FC236}">
-                    <a16:creationId xmlns:a16="http://schemas.microsoft.com/office/drawing/2014/main" id="{AA60CE6A-89E1-442F-D4E1-6BBDC6570164}"/>
-                  </a:ext>
-                </a:extLst>
-              </p:cNvPr>
-              <p:cNvPicPr>
-                <a:picLocks noChangeAspect="1"/>
-              </p:cNvPicPr>
-              <p:nvPr/>
-            </p:nvPicPr>
-            <p:blipFill>
-              <a:blip r:embed="rId5" cstate="print"/>
-              <a:stretch>
-                <a:fillRect/>
-              </a:stretch>
-            </p:blipFill>
-            <p:spPr>
-              <a:xfrm>
-                <a:off x="15638846" y="8999019"/>
-                <a:ext cx="417344" cy="1262886"/>
-              </a:xfrm>
-              <a:prstGeom prst="rect">
-                <a:avLst/>
-              </a:prstGeom>
-            </p:spPr>
-          </p:pic>
-        </p:grpSp>
-        <p:grpSp>
-          <p:nvGrpSpPr>
-            <p:cNvPr id="31" name="그룹 1011">
-              <a:extLst>
-                <a:ext uri="{FF2B5EF4-FFF2-40B4-BE49-F238E27FC236}">
-                  <a16:creationId xmlns:a16="http://schemas.microsoft.com/office/drawing/2014/main" id="{EA26B4AF-4BDB-CF32-E9A6-4B238DAD2ED5}"/>
-                </a:ext>
-              </a:extLst>
-            </p:cNvPr>
-            <p:cNvGrpSpPr/>
-            <p:nvPr/>
-          </p:nvGrpSpPr>
-          <p:grpSpPr>
-            <a:xfrm>
-              <a:off x="1501993" y="9236132"/>
-              <a:ext cx="1262886" cy="1262886"/>
-              <a:chOff x="1501993" y="9236132"/>
-              <a:chExt cx="1262886" cy="1262886"/>
-            </a:xfrm>
-          </p:grpSpPr>
-          <p:pic>
-            <p:nvPicPr>
-              <p:cNvPr id="32" name="Object 33">
-                <a:extLst>
-                  <a:ext uri="{FF2B5EF4-FFF2-40B4-BE49-F238E27FC236}">
-                    <a16:creationId xmlns:a16="http://schemas.microsoft.com/office/drawing/2014/main" id="{BB097094-6720-16DA-0259-46A9B838A775}"/>
-                  </a:ext>
-                </a:extLst>
-              </p:cNvPr>
-              <p:cNvPicPr>
-                <a:picLocks noChangeAspect="1"/>
-              </p:cNvPicPr>
-              <p:nvPr/>
-            </p:nvPicPr>
-            <p:blipFill>
-              <a:blip r:embed="rId6" cstate="print"/>
-              <a:stretch>
-                <a:fillRect/>
-              </a:stretch>
-            </p:blipFill>
-            <p:spPr>
-              <a:xfrm>
-                <a:off x="1501993" y="9236132"/>
-                <a:ext cx="1262886" cy="1262886"/>
-              </a:xfrm>
-              <a:prstGeom prst="rect">
-                <a:avLst/>
-              </a:prstGeom>
-            </p:spPr>
-          </p:pic>
-        </p:grpSp>
-        <p:grpSp>
-          <p:nvGrpSpPr>
-            <p:cNvPr id="33" name="그룹 1012">
-              <a:extLst>
-                <a:ext uri="{FF2B5EF4-FFF2-40B4-BE49-F238E27FC236}">
-                  <a16:creationId xmlns:a16="http://schemas.microsoft.com/office/drawing/2014/main" id="{86514D77-AD27-CE56-FC71-3E11EF20F331}"/>
-                </a:ext>
-              </a:extLst>
-            </p:cNvPr>
-            <p:cNvGrpSpPr/>
-            <p:nvPr/>
-          </p:nvGrpSpPr>
-          <p:grpSpPr>
-            <a:xfrm>
-              <a:off x="16056189" y="8255180"/>
-              <a:ext cx="2078154" cy="2078154"/>
-              <a:chOff x="16056189" y="8255180"/>
-              <a:chExt cx="2078154" cy="2078154"/>
-            </a:xfrm>
-          </p:grpSpPr>
-          <p:pic>
-            <p:nvPicPr>
-              <p:cNvPr id="34" name="Object 36">
-                <a:extLst>
-                  <a:ext uri="{FF2B5EF4-FFF2-40B4-BE49-F238E27FC236}">
-                    <a16:creationId xmlns:a16="http://schemas.microsoft.com/office/drawing/2014/main" id="{C835867F-A473-EF5F-1AB5-FA5813B6BB24}"/>
-                  </a:ext>
-                </a:extLst>
-              </p:cNvPr>
-              <p:cNvPicPr>
-                <a:picLocks noChangeAspect="1"/>
-              </p:cNvPicPr>
-              <p:nvPr/>
-            </p:nvPicPr>
-            <p:blipFill>
-              <a:blip r:embed="rId7" cstate="print"/>
-              <a:stretch>
-                <a:fillRect/>
-              </a:stretch>
-            </p:blipFill>
-            <p:spPr>
-              <a:xfrm>
-                <a:off x="16056189" y="8255180"/>
-                <a:ext cx="2078154" cy="2078154"/>
-              </a:xfrm>
-              <a:prstGeom prst="rect">
-                <a:avLst/>
-              </a:prstGeom>
-            </p:spPr>
-          </p:pic>
-        </p:grpSp>
-        <p:grpSp>
-          <p:nvGrpSpPr>
-            <p:cNvPr id="35" name="그룹 1013">
-              <a:extLst>
-                <a:ext uri="{FF2B5EF4-FFF2-40B4-BE49-F238E27FC236}">
-                  <a16:creationId xmlns:a16="http://schemas.microsoft.com/office/drawing/2014/main" id="{74581E86-DD80-46AB-C3DE-ED00E2173480}"/>
-                </a:ext>
-              </a:extLst>
-            </p:cNvPr>
-            <p:cNvGrpSpPr/>
-            <p:nvPr/>
-          </p:nvGrpSpPr>
-          <p:grpSpPr>
-            <a:xfrm>
-              <a:off x="3092008" y="8989759"/>
-              <a:ext cx="1116574" cy="1248336"/>
-              <a:chOff x="3092008" y="8989759"/>
-              <a:chExt cx="1116574" cy="1248336"/>
-            </a:xfrm>
-          </p:grpSpPr>
-          <p:pic>
-            <p:nvPicPr>
-              <p:cNvPr id="36" name="Object 39">
-                <a:extLst>
-                  <a:ext uri="{FF2B5EF4-FFF2-40B4-BE49-F238E27FC236}">
-                    <a16:creationId xmlns:a16="http://schemas.microsoft.com/office/drawing/2014/main" id="{8DE479E8-03CB-C495-27D3-1B4E9CE9CC3C}"/>
-                  </a:ext>
-                </a:extLst>
-              </p:cNvPr>
-              <p:cNvPicPr>
-                <a:picLocks noChangeAspect="1"/>
-              </p:cNvPicPr>
-              <p:nvPr/>
-            </p:nvPicPr>
-            <p:blipFill>
-              <a:blip r:embed="rId8" cstate="print"/>
-              <a:stretch>
-                <a:fillRect/>
-              </a:stretch>
-            </p:blipFill>
-            <p:spPr>
-              <a:xfrm>
-                <a:off x="3092008" y="8989759"/>
-                <a:ext cx="1116574" cy="1248336"/>
-              </a:xfrm>
-              <a:prstGeom prst="rect">
-                <a:avLst/>
-              </a:prstGeom>
-            </p:spPr>
-          </p:pic>
-        </p:grpSp>
       </p:grpSp>
       <p:pic>
         <p:nvPicPr>
-          <p:cNvPr id="8" name="Object 22">
-            <a:extLst>
-              <a:ext uri="{FF2B5EF4-FFF2-40B4-BE49-F238E27FC236}">
-                <a16:creationId xmlns:a16="http://schemas.microsoft.com/office/drawing/2014/main" id="{E491D485-250C-BD14-47CC-9646DE75B551}"/>
-              </a:ext>
-            </a:extLst>
-          </p:cNvPr>
+          <p:cNvPr id="58" name="Object 4"/>
           <p:cNvPicPr>
             <a:picLocks noChangeAspect="1"/>
           </p:cNvPicPr>
           <p:nvPr/>
         </p:nvPicPr>
         <p:blipFill>
-          <a:blip r:embed="rId9" cstate="print"/>
+          <a:blip r:embed="rId4" cstate="print"/>
           <a:stretch>
             <a:fillRect/>
           </a:stretch>
         </p:blipFill>
         <p:spPr>
           <a:xfrm>
-            <a:off x="437916" y="320967"/>
-            <a:ext cx="950408" cy="1066627"/>
+            <a:off x="1197097" y="513770"/>
+            <a:ext cx="1337583" cy="698402"/>
           </a:xfrm>
           <a:prstGeom prst="rect">
             <a:avLst/>
@@ -23561,40 +24146,86 @@
       </p:pic>
       <p:pic>
         <p:nvPicPr>
-          <p:cNvPr id="9" name="Object 24">
-            <a:extLst>
-              <a:ext uri="{FF2B5EF4-FFF2-40B4-BE49-F238E27FC236}">
-                <a16:creationId xmlns:a16="http://schemas.microsoft.com/office/drawing/2014/main" id="{249650B6-12AE-3B59-60B7-7326DFA4CA7D}"/>
-              </a:ext>
-            </a:extLst>
-          </p:cNvPr>
+          <p:cNvPr id="59" name="Object 5"/>
           <p:cNvPicPr>
             <a:picLocks noChangeAspect="1"/>
           </p:cNvPicPr>
           <p:nvPr/>
         </p:nvPicPr>
         <p:blipFill>
-          <a:blip r:embed="rId10" cstate="print"/>
+          <a:blip r:embed="rId5" cstate="print"/>
           <a:stretch>
             <a:fillRect/>
           </a:stretch>
         </p:blipFill>
         <p:spPr>
           <a:xfrm>
-            <a:off x="1206621" y="551865"/>
-            <a:ext cx="1523773" cy="657125"/>
+            <a:off x="437916" y="320966"/>
+            <a:ext cx="912312" cy="1066627"/>
           </a:xfrm>
           <a:prstGeom prst="rect">
             <a:avLst/>
           </a:prstGeom>
         </p:spPr>
       </p:pic>
+      <p:sp>
+        <p:nvSpPr>
+          <p:cNvPr id="10" name="사각형: 둥근 모서리 9">
+            <a:extLst>
+              <a:ext uri="{FF2B5EF4-FFF2-40B4-BE49-F238E27FC236}">
+                <a16:creationId xmlns:a16="http://schemas.microsoft.com/office/drawing/2014/main" id="{5D95796F-2300-9119-448D-0CE3AD88D259}"/>
+              </a:ext>
+            </a:extLst>
+          </p:cNvPr>
+          <p:cNvSpPr/>
+          <p:nvPr/>
+        </p:nvSpPr>
+        <p:spPr>
+          <a:xfrm>
+            <a:off x="2755318" y="1943100"/>
+            <a:ext cx="12691707" cy="7582183"/>
+          </a:xfrm>
+          <a:prstGeom prst="roundRect">
+            <a:avLst/>
+          </a:prstGeom>
+          <a:solidFill>
+            <a:schemeClr val="bg1"/>
+          </a:solidFill>
+          <a:ln>
+            <a:noFill/>
+          </a:ln>
+        </p:spPr>
+        <p:style>
+          <a:lnRef idx="2">
+            <a:schemeClr val="accent1">
+              <a:shade val="15000"/>
+            </a:schemeClr>
+          </a:lnRef>
+          <a:fillRef idx="1">
+            <a:schemeClr val="accent1"/>
+          </a:fillRef>
+          <a:effectRef idx="0">
+            <a:schemeClr val="accent1"/>
+          </a:effectRef>
+          <a:fontRef idx="minor">
+            <a:schemeClr val="lt1"/>
+          </a:fontRef>
+        </p:style>
+        <p:txBody>
+          <a:bodyPr rtlCol="0" anchor="ctr"/>
+          <a:lstStyle/>
+          <a:p>
+            <a:pPr algn="ctr"/>
+            <a:endParaRPr lang="ko-KR" altLang="en-US" dirty="0"/>
+          </a:p>
+        </p:txBody>
+      </p:sp>
       <p:grpSp>
         <p:nvGrpSpPr>
-          <p:cNvPr id="2" name="그룹 1003">
+          <p:cNvPr id="15" name="그룹 1004">
             <a:extLst>
               <a:ext uri="{FF2B5EF4-FFF2-40B4-BE49-F238E27FC236}">
-                <a16:creationId xmlns:a16="http://schemas.microsoft.com/office/drawing/2014/main" id="{B72BD29D-D824-6D64-CB0D-EACA7645F3CE}"/>
+                <a16:creationId xmlns:a16="http://schemas.microsoft.com/office/drawing/2014/main" id="{03E98837-0A10-6672-6141-264551BE0F4F}"/>
               </a:ext>
             </a:extLst>
           </p:cNvPr>
@@ -23603,21 +24234,252 @@
         </p:nvGrpSpPr>
         <p:grpSpPr>
           <a:xfrm>
-            <a:off x="7239000" y="1918727"/>
-            <a:ext cx="4282902" cy="3224773"/>
-            <a:chOff x="6992437" y="1921212"/>
-            <a:chExt cx="4910465" cy="3697291"/>
+            <a:off x="6679903" y="3274904"/>
+            <a:ext cx="2299769" cy="2271201"/>
+            <a:chOff x="6550004" y="2756216"/>
+            <a:chExt cx="2299769" cy="2271201"/>
           </a:xfrm>
         </p:grpSpPr>
         <p:pic>
           <p:nvPicPr>
-            <p:cNvPr id="3" name="Object 9">
+            <p:cNvPr id="38" name="Object 11">
               <a:extLst>
                 <a:ext uri="{FF2B5EF4-FFF2-40B4-BE49-F238E27FC236}">
-                  <a16:creationId xmlns:a16="http://schemas.microsoft.com/office/drawing/2014/main" id="{B5257882-6AD6-BAEF-86B6-6CCE3A982D68}"/>
+                  <a16:creationId xmlns:a16="http://schemas.microsoft.com/office/drawing/2014/main" id="{5DA17649-8A11-FAD4-7B55-2B20D2DC348C}"/>
                 </a:ext>
               </a:extLst>
             </p:cNvPr>
+            <p:cNvPicPr>
+              <a:picLocks noChangeAspect="1"/>
+            </p:cNvPicPr>
+            <p:nvPr/>
+          </p:nvPicPr>
+          <p:blipFill>
+            <a:blip r:embed="rId6" cstate="print"/>
+            <a:stretch>
+              <a:fillRect/>
+            </a:stretch>
+          </p:blipFill>
+          <p:spPr>
+            <a:xfrm>
+              <a:off x="6550004" y="2756216"/>
+              <a:ext cx="2299769" cy="2271201"/>
+            </a:xfrm>
+            <a:prstGeom prst="rect">
+              <a:avLst/>
+            </a:prstGeom>
+          </p:spPr>
+        </p:pic>
+      </p:grpSp>
+      <p:grpSp>
+        <p:nvGrpSpPr>
+          <p:cNvPr id="39" name="그룹 1005">
+            <a:extLst>
+              <a:ext uri="{FF2B5EF4-FFF2-40B4-BE49-F238E27FC236}">
+                <a16:creationId xmlns:a16="http://schemas.microsoft.com/office/drawing/2014/main" id="{E621C3A5-7A5C-B199-F70B-D6AC6FB93684}"/>
+              </a:ext>
+            </a:extLst>
+          </p:cNvPr>
+          <p:cNvGrpSpPr/>
+          <p:nvPr/>
+        </p:nvGrpSpPr>
+        <p:grpSpPr>
+          <a:xfrm>
+            <a:off x="5387711" y="7074916"/>
+            <a:ext cx="2105099" cy="2030450"/>
+            <a:chOff x="5257812" y="6556228"/>
+            <a:chExt cx="2105099" cy="2030450"/>
+          </a:xfrm>
+        </p:grpSpPr>
+        <p:pic>
+          <p:nvPicPr>
+            <p:cNvPr id="40" name="Object 14">
+              <a:extLst>
+                <a:ext uri="{FF2B5EF4-FFF2-40B4-BE49-F238E27FC236}">
+                  <a16:creationId xmlns:a16="http://schemas.microsoft.com/office/drawing/2014/main" id="{9BAC34B8-0774-128F-C2D6-7C48785B6912}"/>
+                </a:ext>
+              </a:extLst>
+            </p:cNvPr>
+            <p:cNvPicPr>
+              <a:picLocks noChangeAspect="1"/>
+            </p:cNvPicPr>
+            <p:nvPr/>
+          </p:nvPicPr>
+          <p:blipFill>
+            <a:blip r:embed="rId7" cstate="print"/>
+            <a:stretch>
+              <a:fillRect/>
+            </a:stretch>
+          </p:blipFill>
+          <p:spPr>
+            <a:xfrm>
+              <a:off x="5257812" y="6556228"/>
+              <a:ext cx="2105099" cy="2030450"/>
+            </a:xfrm>
+            <a:prstGeom prst="rect">
+              <a:avLst/>
+            </a:prstGeom>
+          </p:spPr>
+        </p:pic>
+      </p:grpSp>
+      <p:grpSp>
+        <p:nvGrpSpPr>
+          <p:cNvPr id="41" name="그룹 1006">
+            <a:extLst>
+              <a:ext uri="{FF2B5EF4-FFF2-40B4-BE49-F238E27FC236}">
+                <a16:creationId xmlns:a16="http://schemas.microsoft.com/office/drawing/2014/main" id="{966D10AD-1207-C90D-C5F0-23B925631C8E}"/>
+              </a:ext>
+            </a:extLst>
+          </p:cNvPr>
+          <p:cNvGrpSpPr/>
+          <p:nvPr/>
+        </p:nvGrpSpPr>
+        <p:grpSpPr>
+          <a:xfrm>
+            <a:off x="4501599" y="2476396"/>
+            <a:ext cx="1772225" cy="2200990"/>
+            <a:chOff x="4371700" y="1957708"/>
+            <a:chExt cx="1772225" cy="2200990"/>
+          </a:xfrm>
+        </p:grpSpPr>
+        <p:pic>
+          <p:nvPicPr>
+            <p:cNvPr id="42" name="Object 17">
+              <a:extLst>
+                <a:ext uri="{FF2B5EF4-FFF2-40B4-BE49-F238E27FC236}">
+                  <a16:creationId xmlns:a16="http://schemas.microsoft.com/office/drawing/2014/main" id="{ECF85601-A997-791D-1787-0A8EEE7F7A34}"/>
+                </a:ext>
+              </a:extLst>
+            </p:cNvPr>
+            <p:cNvPicPr>
+              <a:picLocks noChangeAspect="1"/>
+            </p:cNvPicPr>
+            <p:nvPr/>
+          </p:nvPicPr>
+          <p:blipFill>
+            <a:blip r:embed="rId8" cstate="print"/>
+            <a:stretch>
+              <a:fillRect/>
+            </a:stretch>
+          </p:blipFill>
+          <p:spPr>
+            <a:xfrm>
+              <a:off x="4371700" y="1957708"/>
+              <a:ext cx="1772225" cy="2200990"/>
+            </a:xfrm>
+            <a:prstGeom prst="rect">
+              <a:avLst/>
+            </a:prstGeom>
+          </p:spPr>
+        </p:pic>
+      </p:grpSp>
+      <p:grpSp>
+        <p:nvGrpSpPr>
+          <p:cNvPr id="43" name="그룹 1007">
+            <a:extLst>
+              <a:ext uri="{FF2B5EF4-FFF2-40B4-BE49-F238E27FC236}">
+                <a16:creationId xmlns:a16="http://schemas.microsoft.com/office/drawing/2014/main" id="{7E422577-3157-7790-8F42-1568515E0A72}"/>
+              </a:ext>
+            </a:extLst>
+          </p:cNvPr>
+          <p:cNvGrpSpPr/>
+          <p:nvPr/>
+        </p:nvGrpSpPr>
+        <p:grpSpPr>
+          <a:xfrm>
+            <a:off x="12605992" y="5865117"/>
+            <a:ext cx="2293962" cy="1727218"/>
+            <a:chOff x="12476093" y="5346429"/>
+            <a:chExt cx="2293962" cy="1727218"/>
+          </a:xfrm>
+        </p:grpSpPr>
+        <p:pic>
+          <p:nvPicPr>
+            <p:cNvPr id="44" name="Object 20">
+              <a:extLst>
+                <a:ext uri="{FF2B5EF4-FFF2-40B4-BE49-F238E27FC236}">
+                  <a16:creationId xmlns:a16="http://schemas.microsoft.com/office/drawing/2014/main" id="{AC0B5348-FC50-0EF7-4436-0BDBDED86352}"/>
+                </a:ext>
+              </a:extLst>
+            </p:cNvPr>
+            <p:cNvPicPr>
+              <a:picLocks noChangeAspect="1"/>
+            </p:cNvPicPr>
+            <p:nvPr/>
+          </p:nvPicPr>
+          <p:blipFill>
+            <a:blip r:embed="rId9" cstate="print"/>
+            <a:stretch>
+              <a:fillRect/>
+            </a:stretch>
+          </p:blipFill>
+          <p:spPr>
+            <a:xfrm>
+              <a:off x="12476093" y="5346429"/>
+              <a:ext cx="2293962" cy="1727218"/>
+            </a:xfrm>
+            <a:prstGeom prst="rect">
+              <a:avLst/>
+            </a:prstGeom>
+          </p:spPr>
+        </p:pic>
+      </p:grpSp>
+      <p:grpSp>
+        <p:nvGrpSpPr>
+          <p:cNvPr id="37" name="그룹 1002"/>
+          <p:cNvGrpSpPr/>
+          <p:nvPr/>
+        </p:nvGrpSpPr>
+        <p:grpSpPr>
+          <a:xfrm>
+            <a:off x="2764775" y="5448300"/>
+            <a:ext cx="12703825" cy="407143"/>
+            <a:chOff x="2613301" y="4939286"/>
+            <a:chExt cx="12703825" cy="407143"/>
+          </a:xfrm>
+        </p:grpSpPr>
+        <p:pic>
+          <p:nvPicPr>
+            <p:cNvPr id="49" name="Object 5"/>
+            <p:cNvPicPr>
+              <a:picLocks noChangeAspect="1"/>
+            </p:cNvPicPr>
+            <p:nvPr/>
+          </p:nvPicPr>
+          <p:blipFill>
+            <a:blip r:embed="rId10" cstate="print"/>
+            <a:stretch>
+              <a:fillRect/>
+            </a:stretch>
+          </p:blipFill>
+          <p:spPr>
+            <a:xfrm>
+              <a:off x="2613301" y="4939286"/>
+              <a:ext cx="12703825" cy="407143"/>
+            </a:xfrm>
+            <a:prstGeom prst="rect">
+              <a:avLst/>
+            </a:prstGeom>
+          </p:spPr>
+        </p:pic>
+      </p:grpSp>
+      <p:grpSp>
+        <p:nvGrpSpPr>
+          <p:cNvPr id="50" name="그룹 1003"/>
+          <p:cNvGrpSpPr/>
+          <p:nvPr/>
+        </p:nvGrpSpPr>
+        <p:grpSpPr>
+          <a:xfrm>
+            <a:off x="5469821" y="5547557"/>
+            <a:ext cx="7528961" cy="407143"/>
+            <a:chOff x="5318347" y="5038543"/>
+            <a:chExt cx="7528961" cy="407143"/>
+          </a:xfrm>
+        </p:grpSpPr>
+        <p:pic>
+          <p:nvPicPr>
+            <p:cNvPr id="51" name="Object 8"/>
             <p:cNvPicPr>
               <a:picLocks noChangeAspect="1"/>
             </p:cNvPicPr>
@@ -23630,9 +24492,9 @@
             </a:stretch>
           </p:blipFill>
           <p:spPr>
-            <a:xfrm>
-              <a:off x="6992437" y="1921212"/>
-              <a:ext cx="4910465" cy="3697291"/>
+            <a:xfrm rot="-5400000">
+              <a:off x="5318347" y="5038543"/>
+              <a:ext cx="7528961" cy="407143"/>
             </a:xfrm>
             <a:prstGeom prst="rect">
               <a:avLst/>
@@ -23640,60 +24502,85 @@
           </p:spPr>
         </p:pic>
       </p:grpSp>
-      <p:grpSp>
-        <p:nvGrpSpPr>
-          <p:cNvPr id="38" name="그룹 1003">
-            <a:extLst>
-              <a:ext uri="{FF2B5EF4-FFF2-40B4-BE49-F238E27FC236}">
-                <a16:creationId xmlns:a16="http://schemas.microsoft.com/office/drawing/2014/main" id="{F2E49B59-9816-B3A1-D47D-F9C03C624649}"/>
-              </a:ext>
-            </a:extLst>
-          </p:cNvPr>
-          <p:cNvGrpSpPr/>
+      <p:sp>
+        <p:nvSpPr>
+          <p:cNvPr id="2" name="타원 1"/>
+          <p:cNvSpPr/>
           <p:nvPr/>
-        </p:nvGrpSpPr>
-        <p:grpSpPr>
+        </p:nvSpPr>
+        <p:spPr>
           <a:xfrm>
-            <a:off x="18839677" y="1562100"/>
-            <a:ext cx="4172723" cy="2060827"/>
-            <a:chOff x="16414264" y="3194599"/>
-            <a:chExt cx="7857881" cy="3880855"/>
+            <a:off x="12518375" y="5676900"/>
+            <a:ext cx="2645425" cy="2407894"/>
           </a:xfrm>
-        </p:grpSpPr>
-        <p:pic>
-          <p:nvPicPr>
-            <p:cNvPr id="39" name="Object 9">
-              <a:extLst>
-                <a:ext uri="{FF2B5EF4-FFF2-40B4-BE49-F238E27FC236}">
-                  <a16:creationId xmlns:a16="http://schemas.microsoft.com/office/drawing/2014/main" id="{29572B2E-9A41-CDEA-D261-6DA3D55BD89C}"/>
-                </a:ext>
-              </a:extLst>
-            </p:cNvPr>
-            <p:cNvPicPr>
-              <a:picLocks noChangeAspect="1"/>
-            </p:cNvPicPr>
-            <p:nvPr/>
-          </p:nvPicPr>
-          <p:blipFill>
-            <a:blip r:embed="rId12" cstate="print"/>
-            <a:stretch>
-              <a:fillRect/>
-            </a:stretch>
-          </p:blipFill>
-          <p:spPr>
-            <a:xfrm rot="180000">
-              <a:off x="16414264" y="3194599"/>
-              <a:ext cx="7857881" cy="3880855"/>
-            </a:xfrm>
-            <a:prstGeom prst="rect">
-              <a:avLst/>
-            </a:prstGeom>
-          </p:spPr>
-        </p:pic>
-      </p:grpSp>
+          <a:prstGeom prst="ellipse">
+            <a:avLst/>
+          </a:prstGeom>
+          <a:noFill/>
+          <a:ln w="76200">
+            <a:solidFill>
+              <a:srgbClr val="C00000"/>
+            </a:solidFill>
+          </a:ln>
+        </p:spPr>
+        <p:style>
+          <a:lnRef idx="2">
+            <a:schemeClr val="accent1">
+              <a:shade val="50000"/>
+            </a:schemeClr>
+          </a:lnRef>
+          <a:fillRef idx="1">
+            <a:schemeClr val="accent1"/>
+          </a:fillRef>
+          <a:effectRef idx="0">
+            <a:schemeClr val="accent1"/>
+          </a:effectRef>
+          <a:fontRef idx="minor">
+            <a:schemeClr val="lt1"/>
+          </a:fontRef>
+        </p:style>
+        <p:txBody>
+          <a:bodyPr rtlCol="0" anchor="ctr"/>
+          <a:lstStyle/>
+          <a:p>
+            <a:pPr algn="ctr"/>
+            <a:endParaRPr lang="ko-KR" altLang="en-US">
+              <a:ln w="76200">
+                <a:solidFill>
+                  <a:srgbClr val="FF0000"/>
+                </a:solidFill>
+              </a:ln>
+            </a:endParaRPr>
+          </a:p>
+        </p:txBody>
+      </p:sp>
       <p:pic>
         <p:nvPicPr>
-          <p:cNvPr id="21" name="Object 13"/>
+          <p:cNvPr id="52" name="Object 26"/>
+          <p:cNvPicPr>
+            <a:picLocks noChangeAspect="1"/>
+          </p:cNvPicPr>
+          <p:nvPr/>
+        </p:nvPicPr>
+        <p:blipFill>
+          <a:blip r:embed="rId12" cstate="print"/>
+          <a:stretch>
+            <a:fillRect/>
+          </a:stretch>
+        </p:blipFill>
+        <p:spPr>
+          <a:xfrm>
+            <a:off x="3051333" y="5482610"/>
+            <a:ext cx="2434992" cy="1072145"/>
+          </a:xfrm>
+          <a:prstGeom prst="rect">
+            <a:avLst/>
+          </a:prstGeom>
+        </p:spPr>
+      </p:pic>
+      <p:pic>
+        <p:nvPicPr>
+          <p:cNvPr id="53" name="Object 25"/>
           <p:cNvPicPr>
             <a:picLocks noChangeAspect="1"/>
           </p:cNvPicPr>
@@ -23707,8 +24594,56 @@
         </p:blipFill>
         <p:spPr>
           <a:xfrm>
-            <a:off x="-2819400" y="5333426"/>
-            <a:ext cx="22410678" cy="3422878"/>
+            <a:off x="13118697" y="4868219"/>
+            <a:ext cx="2415945" cy="1072145"/>
+          </a:xfrm>
+          <a:prstGeom prst="rect">
+            <a:avLst/>
+          </a:prstGeom>
+        </p:spPr>
+      </p:pic>
+      <p:pic>
+        <p:nvPicPr>
+          <p:cNvPr id="54" name="Object 28"/>
+          <p:cNvPicPr>
+            <a:picLocks noChangeAspect="1"/>
+          </p:cNvPicPr>
+          <p:nvPr/>
+        </p:nvPicPr>
+        <p:blipFill>
+          <a:blip r:embed="rId14" cstate="print"/>
+          <a:stretch>
+            <a:fillRect/>
+          </a:stretch>
+        </p:blipFill>
+        <p:spPr>
+          <a:xfrm>
+            <a:off x="7854181" y="1136910"/>
+            <a:ext cx="2760240" cy="1072145"/>
+          </a:xfrm>
+          <a:prstGeom prst="rect">
+            <a:avLst/>
+          </a:prstGeom>
+        </p:spPr>
+      </p:pic>
+      <p:pic>
+        <p:nvPicPr>
+          <p:cNvPr id="55" name="Object 27"/>
+          <p:cNvPicPr>
+            <a:picLocks noChangeAspect="1"/>
+          </p:cNvPicPr>
+          <p:nvPr/>
+        </p:nvPicPr>
+        <p:blipFill>
+          <a:blip r:embed="rId15" cstate="print"/>
+          <a:stretch>
+            <a:fillRect/>
+          </a:stretch>
+        </p:blipFill>
+        <p:spPr>
+          <a:xfrm>
+            <a:off x="8411434" y="9365550"/>
+            <a:ext cx="2052878" cy="1072145"/>
           </a:xfrm>
           <a:prstGeom prst="rect">
             <a:avLst/>
@@ -23718,7 +24653,7 @@
     </p:spTree>
     <p:extLst>
       <p:ext uri="{BB962C8B-B14F-4D97-AF65-F5344CB8AC3E}">
-        <p14:creationId xmlns:p14="http://schemas.microsoft.com/office/powerpoint/2010/main" val="539102007"/>
+        <p14:creationId xmlns:p14="http://schemas.microsoft.com/office/powerpoint/2010/main" val="4172981601"/>
       </p:ext>
     </p:extLst>
   </p:cSld>
@@ -23752,24 +24687,37 @@
                             </p:stCondLst>
                             <p:childTnLst>
                               <p:par>
-                                <p:cTn id="5" presetID="44" presetClass="path" presetSubtype="0" accel="50000" decel="50000" fill="hold" nodeType="withEffect">
+                                <p:cTn id="5" presetID="10" presetClass="entr" presetSubtype="0" fill="hold" grpId="0" nodeType="withEffect">
                                   <p:stCondLst>
                                     <p:cond delay="0"/>
                                   </p:stCondLst>
                                   <p:childTnLst>
-                                    <p:animMotion origin="layout" path="M -1.45234 0.18919 L -1.06337 -0.06991 C -0.98203 -0.1301 -0.85998 -0.16081 -0.73229 -0.16081 C -0.58776 -0.16081 -0.47066 -0.1301 -0.38941 -0.06991 L -8.33333E-7 0.18919 " pathEditMode="relative" rAng="0" ptsTypes="AAAAA">
+                                    <p:set>
                                       <p:cBhvr>
-                                        <p:cTn id="6" dur="2000" spd="-100000" fill="hold"/>
+                                        <p:cTn id="6" dur="1" fill="hold">
+                                          <p:stCondLst>
+                                            <p:cond delay="0"/>
+                                          </p:stCondLst>
+                                        </p:cTn>
                                         <p:tgtEl>
-                                          <p:spTgt spid="38"/>
+                                          <p:spTgt spid="2"/>
                                         </p:tgtEl>
                                         <p:attrNameLst>
-                                          <p:attrName>ppt_x</p:attrName>
-                                          <p:attrName>ppt_y</p:attrName>
+                                          <p:attrName>style.visibility</p:attrName>
                                         </p:attrNameLst>
                                       </p:cBhvr>
-                                      <p:rCtr x="72613" y="-17500"/>
-                                    </p:animMotion>
+                                      <p:to>
+                                        <p:strVal val="visible"/>
+                                      </p:to>
+                                    </p:set>
+                                    <p:animEffect transition="in" filter="fade">
+                                      <p:cBhvr>
+                                        <p:cTn id="7" dur="1250"/>
+                                        <p:tgtEl>
+                                          <p:spTgt spid="2"/>
+                                        </p:tgtEl>
+                                      </p:cBhvr>
+                                    </p:animEffect>
                                   </p:childTnLst>
                                 </p:cTn>
                               </p:par>
@@ -23800,6 +24748,9 @@
         </p:cTn>
       </p:par>
     </p:tnLst>
+    <p:bldLst>
+      <p:bldP spid="2" grpId="0" animBg="1"/>
+    </p:bldLst>
   </p:timing>
 </p:sld>
 </file>
